--- a/slides/13_review_and_wrapup.pptx
+++ b/slides/13_review_and_wrapup.pptx
@@ -5,7 +5,7 @@
     <p:sldMasterId id="2147483660" r:id="rId1"/>
   </p:sldMasterIdLst>
   <p:notesMasterIdLst>
-    <p:notesMasterId r:id="rId68"/>
+    <p:notesMasterId r:id="rId71"/>
   </p:notesMasterIdLst>
   <p:sldIdLst>
     <p:sldId id="256" r:id="rId2"/>
@@ -74,6 +74,9 @@
     <p:sldId id="319" r:id="rId65"/>
     <p:sldId id="320" r:id="rId66"/>
     <p:sldId id="321" r:id="rId67"/>
+    <p:sldId id="322" r:id="rId68"/>
+    <p:sldId id="323" r:id="rId69"/>
+    <p:sldId id="324" r:id="rId70"/>
   </p:sldIdLst>
   <p:sldSz cx="12192000" cy="6858000"/>
   <p:notesSz cx="6858000" cy="9144000"/>
@@ -1929,7 +1932,293 @@
             </a:pPr>
             <a:r>
               <a:rPr b="1"/>
-              <a:t>0. Data Representation and Types</a:t>
+              <a:t>1. Summary of Six Fundamental Operations</a:t>
+            </a:r>
+          </a:p>
+          <a:p>
+            <a:pPr lvl="0" indent="0" marL="0">
+              <a:buNone/>
+            </a:pPr>
+          </a:p>
+          <a:p>
+            <a:pPr lvl="0"/>
+            <a:r>
+              <a:rPr b="1"/>
+              <a:t>Input:</a:t>
+            </a:r>
+          </a:p>
+          <a:p>
+            <a:pPr lvl="0" indent="0" marL="0">
+              <a:buNone/>
+            </a:pPr>
+          </a:p>
+          <a:p>
+            <a:pPr lvl="1"/>
+            <a:r>
+              <a:rPr/>
+              <a:t>Gathering data into the program from various sources such as user input, files, databases, and APIs.</a:t>
+            </a:r>
+          </a:p>
+          <a:p>
+            <a:pPr lvl="0" indent="0" marL="0">
+              <a:buNone/>
+            </a:pPr>
+          </a:p>
+          <a:p>
+            <a:pPr lvl="1"/>
+            <a:r>
+              <a:rPr/>
+              <a:t>Example: Using </a:t>
+            </a:r>
+            <a:r>
+              <a:rPr>
+                <a:latin typeface="Courier"/>
+              </a:rPr>
+              <a:t>input()</a:t>
+            </a:r>
+            <a:r>
+              <a:rPr/>
+              <a:t> to read user input, reading from a CSV file, fetching data from an online API.</a:t>
+            </a:r>
+          </a:p>
+          <a:p>
+            <a:pPr lvl="0" indent="0" marL="0">
+              <a:buNone/>
+            </a:pPr>
+          </a:p>
+          <a:p>
+            <a:pPr lvl="0"/>
+            <a:r>
+              <a:rPr b="1"/>
+              <a:t>Output:</a:t>
+            </a:r>
+          </a:p>
+          <a:p>
+            <a:pPr lvl="0" indent="0" marL="0">
+              <a:buNone/>
+            </a:pPr>
+          </a:p>
+          <a:p>
+            <a:pPr lvl="1"/>
+            <a:r>
+              <a:rPr/>
+              <a:t>Displaying results or information to the user, saving data to files, or creating visualisations.</a:t>
+            </a:r>
+          </a:p>
+          <a:p>
+            <a:pPr lvl="0" indent="0" marL="0">
+              <a:buNone/>
+            </a:pPr>
+          </a:p>
+          <a:p>
+            <a:pPr lvl="1"/>
+            <a:r>
+              <a:rPr/>
+              <a:t>Example: Using </a:t>
+            </a:r>
+            <a:r>
+              <a:rPr>
+                <a:latin typeface="Courier"/>
+              </a:rPr>
+              <a:t>print()</a:t>
+            </a:r>
+            <a:r>
+              <a:rPr/>
+              <a:t> to output text, writing to a file, creating plots with Matplotlib.</a:t>
+            </a:r>
+          </a:p>
+          <a:p>
+            <a:pPr lvl="0" indent="0" marL="0">
+              <a:buNone/>
+            </a:pPr>
+          </a:p>
+          <a:p>
+            <a:pPr lvl="0"/>
+            <a:r>
+              <a:rPr b="1"/>
+              <a:t>Calculation:</a:t>
+            </a:r>
+          </a:p>
+          <a:p>
+            <a:pPr lvl="0" indent="0" marL="0">
+              <a:buNone/>
+            </a:pPr>
+          </a:p>
+          <a:p>
+            <a:pPr lvl="1"/>
+            <a:r>
+              <a:rPr/>
+              <a:t>Performing mathematical operations to process and analyse data.</a:t>
+            </a:r>
+          </a:p>
+          <a:p>
+            <a:pPr lvl="0" indent="0" marL="0">
+              <a:buNone/>
+            </a:pPr>
+          </a:p>
+          <a:p>
+            <a:pPr lvl="1"/>
+            <a:r>
+              <a:rPr/>
+              <a:t>Example: Arithmetic operations like addition and multiplication, statistical calculations using NumPy or pandas.</a:t>
+            </a:r>
+          </a:p>
+          <a:p>
+            <a:pPr lvl="0" indent="0" marL="0">
+              <a:buNone/>
+            </a:pPr>
+          </a:p>
+          <a:p>
+            <a:pPr lvl="0"/>
+            <a:r>
+              <a:rPr b="1"/>
+              <a:t>Store/Assignment:</a:t>
+            </a:r>
+          </a:p>
+          <a:p>
+            <a:pPr lvl="0" indent="0" marL="0">
+              <a:buNone/>
+            </a:pPr>
+          </a:p>
+          <a:p>
+            <a:pPr lvl="1"/>
+            <a:r>
+              <a:rPr/>
+              <a:t>Storing data in variables for later use and updating these variables as needed.</a:t>
+            </a:r>
+          </a:p>
+          <a:p>
+            <a:pPr lvl="0" indent="0" marL="0">
+              <a:buNone/>
+            </a:pPr>
+          </a:p>
+          <a:p>
+            <a:pPr lvl="1"/>
+            <a:r>
+              <a:rPr/>
+              <a:t>Example: Assigning values to variables, updating variable values based on calculations or user input.</a:t>
+            </a:r>
+          </a:p>
+          <a:p>
+            <a:pPr lvl="0" indent="0" marL="0">
+              <a:buNone/>
+            </a:pPr>
+          </a:p>
+          <a:p>
+            <a:pPr lvl="0"/>
+            <a:r>
+              <a:rPr b="1"/>
+              <a:t>Make Decisions (If/Then):</a:t>
+            </a:r>
+          </a:p>
+          <a:p>
+            <a:pPr lvl="0" indent="0" marL="0">
+              <a:buNone/>
+            </a:pPr>
+          </a:p>
+          <a:p>
+            <a:pPr lvl="1"/>
+            <a:r>
+              <a:rPr/>
+              <a:t>Using conditional statements to execute different actions based on specific conditions.</a:t>
+            </a:r>
+          </a:p>
+          <a:p>
+            <a:pPr lvl="0" indent="0" marL="0">
+              <a:buNone/>
+            </a:pPr>
+          </a:p>
+          <a:p>
+            <a:pPr lvl="1"/>
+            <a:r>
+              <a:rPr/>
+              <a:t>Example: Using </a:t>
+            </a:r>
+            <a:r>
+              <a:rPr>
+                <a:latin typeface="Courier"/>
+              </a:rPr>
+              <a:t>if</a:t>
+            </a:r>
+            <a:r>
+              <a:rPr/>
+              <a:t>, </a:t>
+            </a:r>
+            <a:r>
+              <a:rPr>
+                <a:latin typeface="Courier"/>
+              </a:rPr>
+              <a:t>else</a:t>
+            </a:r>
+            <a:r>
+              <a:rPr/>
+              <a:t>, and </a:t>
+            </a:r>
+            <a:r>
+              <a:rPr>
+                <a:latin typeface="Courier"/>
+              </a:rPr>
+              <a:t>elif</a:t>
+            </a:r>
+            <a:r>
+              <a:rPr/>
+              <a:t> statements to handle different temperature ranges.</a:t>
+            </a:r>
+          </a:p>
+          <a:p>
+            <a:pPr lvl="0" indent="0" marL="0">
+              <a:buNone/>
+            </a:pPr>
+          </a:p>
+          <a:p>
+            <a:pPr lvl="0"/>
+            <a:r>
+              <a:rPr b="1"/>
+              <a:t>Going Loopy (for, while):</a:t>
+            </a:r>
+          </a:p>
+          <a:p>
+            <a:pPr lvl="0" indent="0" marL="0">
+              <a:buNone/>
+            </a:pPr>
+          </a:p>
+          <a:p>
+            <a:pPr lvl="1"/>
+            <a:r>
+              <a:rPr/>
+              <a:t>Repeating tasks iteratively using loops to process collections of data or perform repeated actions.</a:t>
+            </a:r>
+          </a:p>
+          <a:p>
+            <a:pPr lvl="0" indent="0" marL="0">
+              <a:buNone/>
+            </a:pPr>
+          </a:p>
+          <a:p>
+            <a:pPr lvl="1"/>
+            <a:r>
+              <a:rPr/>
+              <a:t>Example: Using </a:t>
+            </a:r>
+            <a:r>
+              <a:rPr>
+                <a:latin typeface="Courier"/>
+              </a:rPr>
+              <a:t>for</a:t>
+            </a:r>
+            <a:r>
+              <a:rPr/>
+              <a:t> loops to iterate over a list of temperatures, using </a:t>
+            </a:r>
+            <a:r>
+              <a:rPr>
+                <a:latin typeface="Courier"/>
+              </a:rPr>
+              <a:t>while</a:t>
+            </a:r>
+            <a:r>
+              <a:rPr/>
+              <a:t> loops for continuous data processing.</a:t>
             </a:r>
           </a:p>
           <a:p>
@@ -1946,7 +2235,7 @@
             </a:pPr>
             <a:r>
               <a:rPr b="1"/>
-              <a:t>1. Summary of Six Fundamental Operations</a:t>
+              <a:t>2. Importance of Problem-Solving Framework</a:t>
             </a:r>
           </a:p>
           <a:p>
@@ -1958,7 +2247,7 @@
             <a:pPr lvl="0"/>
             <a:r>
               <a:rPr b="1"/>
-              <a:t>Input:</a:t>
+              <a:t>Understanding the Problem:</a:t>
             </a:r>
           </a:p>
           <a:p>
@@ -1970,7 +2259,7 @@
             <a:pPr lvl="1"/>
             <a:r>
               <a:rPr/>
-              <a:t>Gathering data into the program from various sources such as user input, files, databases, and APIs.</a:t>
+              <a:t>Clearly defining the problem to be solved and identifying the key requirements.</a:t>
             </a:r>
           </a:p>
           <a:p>
@@ -1982,17 +2271,7 @@
             <a:pPr lvl="1"/>
             <a:r>
               <a:rPr/>
-              <a:t>Example: Using </a:t>
-            </a:r>
-            <a:r>
-              <a:rPr>
-                <a:latin typeface="Courier"/>
-              </a:rPr>
-              <a:t>input()</a:t>
-            </a:r>
-            <a:r>
-              <a:rPr/>
-              <a:t> to read user input, reading from a CSV file, fetching data from an online API.</a:t>
+              <a:t>Example: Determining the need to convert temperatures from Fahrenheit to Celsius.</a:t>
             </a:r>
           </a:p>
           <a:p>
@@ -2004,7 +2283,7 @@
             <a:pPr lvl="0"/>
             <a:r>
               <a:rPr b="1"/>
-              <a:t>Output:</a:t>
+              <a:t>Define Inputs and Outputs:</a:t>
             </a:r>
           </a:p>
           <a:p>
@@ -2016,7 +2295,7 @@
             <a:pPr lvl="1"/>
             <a:r>
               <a:rPr/>
-              <a:t>Displaying results or information to the user, saving data to files, or creating visualisations.</a:t>
+              <a:t>Identifying what data is needed as input and what the expected output should be.</a:t>
             </a:r>
           </a:p>
           <a:p>
@@ -2028,17 +2307,7 @@
             <a:pPr lvl="1"/>
             <a:r>
               <a:rPr/>
-              <a:t>Example: Using </a:t>
-            </a:r>
-            <a:r>
-              <a:rPr>
-                <a:latin typeface="Courier"/>
-              </a:rPr>
-              <a:t>print()</a:t>
-            </a:r>
-            <a:r>
-              <a:rPr/>
-              <a:t> to output text, writing to a file, creating plots with Matplotlib.</a:t>
+              <a:t>Example: Input is the temperature in Fahrenheit, and the output is the temperature in Celsius.</a:t>
             </a:r>
           </a:p>
           <a:p>
@@ -2050,7 +2319,7 @@
             <a:pPr lvl="0"/>
             <a:r>
               <a:rPr b="1"/>
-              <a:t>Calculation:</a:t>
+              <a:t>Work the Problem by Hand:</a:t>
             </a:r>
           </a:p>
           <a:p>
@@ -2062,7 +2331,7 @@
             <a:pPr lvl="1"/>
             <a:r>
               <a:rPr/>
-              <a:t>Performing mathematical operations to process and analyse data.</a:t>
+              <a:t>Manually solving the problem with sample data to understand the steps involved.</a:t>
             </a:r>
           </a:p>
           <a:p>
@@ -2074,7 +2343,7 @@
             <a:pPr lvl="1"/>
             <a:r>
               <a:rPr/>
-              <a:t>Example: Arithmetic operations like addition and multiplication, statistical calculations using NumPy or pandas.</a:t>
+              <a:t>Example: Converting a sample temperature from Fahrenheit to Celsius manually.</a:t>
             </a:r>
           </a:p>
           <a:p>
@@ -2086,7 +2355,7 @@
             <a:pPr lvl="0"/>
             <a:r>
               <a:rPr b="1"/>
-              <a:t>Store/Assignment:</a:t>
+              <a:t>Write Pseudo Code:</a:t>
             </a:r>
           </a:p>
           <a:p>
@@ -2098,7 +2367,7 @@
             <a:pPr lvl="1"/>
             <a:r>
               <a:rPr/>
-              <a:t>Storing data in variables for later use and updating these variables as needed.</a:t>
+              <a:t>Creating a high-level outline of the steps needed to solve the problem in a programming language.</a:t>
             </a:r>
           </a:p>
           <a:p>
@@ -2110,7 +2379,7 @@
             <a:pPr lvl="1"/>
             <a:r>
               <a:rPr/>
-              <a:t>Example: Assigning values to variables, updating variable values based on calculations or user input.</a:t>
+              <a:t>Example: Writing pseudo code for the temperature conversion algorithm.</a:t>
             </a:r>
           </a:p>
           <a:p>
@@ -2122,7 +2391,7 @@
             <a:pPr lvl="0"/>
             <a:r>
               <a:rPr b="1"/>
-              <a:t>Make Decisions (If/Then):</a:t>
+              <a:t>Convert to Python Code:</a:t>
             </a:r>
           </a:p>
           <a:p>
@@ -2134,7 +2403,7 @@
             <a:pPr lvl="1"/>
             <a:r>
               <a:rPr/>
-              <a:t>Using conditional statements to execute different actions based on specific conditions.</a:t>
+              <a:t>Translating the pseudo code into actual Python code, ensuring the logic is correctly implemented.</a:t>
             </a:r>
           </a:p>
           <a:p>
@@ -2146,37 +2415,7 @@
             <a:pPr lvl="1"/>
             <a:r>
               <a:rPr/>
-              <a:t>Example: Using </a:t>
-            </a:r>
-            <a:r>
-              <a:rPr>
-                <a:latin typeface="Courier"/>
-              </a:rPr>
-              <a:t>if</a:t>
-            </a:r>
-            <a:r>
-              <a:rPr/>
-              <a:t>, </a:t>
-            </a:r>
-            <a:r>
-              <a:rPr>
-                <a:latin typeface="Courier"/>
-              </a:rPr>
-              <a:t>else</a:t>
-            </a:r>
-            <a:r>
-              <a:rPr/>
-              <a:t>, and </a:t>
-            </a:r>
-            <a:r>
-              <a:rPr>
-                <a:latin typeface="Courier"/>
-              </a:rPr>
-              <a:t>elif</a:t>
-            </a:r>
-            <a:r>
-              <a:rPr/>
-              <a:t> statements to handle different temperature ranges.</a:t>
+              <a:t>Example: Implementing the temperature conversion in Python using functions.</a:t>
             </a:r>
           </a:p>
           <a:p>
@@ -2188,7 +2427,7 @@
             <a:pPr lvl="0"/>
             <a:r>
               <a:rPr b="1"/>
-              <a:t>Going Loopy (for, while):</a:t>
+              <a:t>Test with Data:</a:t>
             </a:r>
           </a:p>
           <a:p>
@@ -2200,7 +2439,7 @@
             <a:pPr lvl="1"/>
             <a:r>
               <a:rPr/>
-              <a:t>Repeating tasks iteratively using loops to process collections of data or perform repeated actions.</a:t>
+              <a:t>Testing the Python code with various inputs to ensure it works correctly and handles edge cases.</a:t>
             </a:r>
           </a:p>
           <a:p>
@@ -2212,27 +2451,7 @@
             <a:pPr lvl="1"/>
             <a:r>
               <a:rPr/>
-              <a:t>Example: Using </a:t>
-            </a:r>
-            <a:r>
-              <a:rPr>
-                <a:latin typeface="Courier"/>
-              </a:rPr>
-              <a:t>for</a:t>
-            </a:r>
-            <a:r>
-              <a:rPr/>
-              <a:t> loops to iterate over a list of temperatures, using </a:t>
-            </a:r>
-            <a:r>
-              <a:rPr>
-                <a:latin typeface="Courier"/>
-              </a:rPr>
-              <a:t>while</a:t>
-            </a:r>
-            <a:r>
-              <a:rPr/>
-              <a:t> loops for continuous data processing.</a:t>
+              <a:t>Example: Testing the temperature conversion function with different temperature values.</a:t>
             </a:r>
           </a:p>
           <a:p>
@@ -2249,223 +2468,35 @@
             </a:pPr>
             <a:r>
               <a:rPr b="1"/>
-              <a:t>2. Importance of Problem-Solving Framework</a:t>
-            </a:r>
-          </a:p>
-          <a:p>
-            <a:pPr lvl="0" indent="0" marL="0">
-              <a:buNone/>
-            </a:pPr>
-          </a:p>
-          <a:p>
-            <a:pPr lvl="0"/>
+              <a:t>Data Representation and Types</a:t>
+            </a:r>
+          </a:p>
+          <a:p>
+            <a:pPr lvl="0" indent="0" marL="0">
+              <a:buNone/>
+            </a:pPr>
+          </a:p>
+          <a:p>
+            <a:pPr lvl="0" indent="0" marL="0">
+              <a:buNone/>
+            </a:pPr>
             <a:r>
               <a:rPr b="1"/>
-              <a:t>Understanding the Problem:</a:t>
-            </a:r>
-          </a:p>
-          <a:p>
-            <a:pPr lvl="0" indent="0" marL="0">
-              <a:buNone/>
-            </a:pPr>
-          </a:p>
-          <a:p>
-            <a:pPr lvl="1"/>
-            <a:r>
-              <a:rPr/>
-              <a:t>Clearly defining the problem to be solved and identifying the key requirements.</a:t>
-            </a:r>
-          </a:p>
-          <a:p>
-            <a:pPr lvl="0" indent="0" marL="0">
-              <a:buNone/>
-            </a:pPr>
-          </a:p>
-          <a:p>
-            <a:pPr lvl="1"/>
-            <a:r>
-              <a:rPr/>
-              <a:t>Example: Determining the need to convert temperatures from Fahrenheit to Celsius.</a:t>
-            </a:r>
-          </a:p>
-          <a:p>
-            <a:pPr lvl="0" indent="0" marL="0">
-              <a:buNone/>
-            </a:pPr>
-          </a:p>
-          <a:p>
-            <a:pPr lvl="0"/>
-            <a:r>
-              <a:rPr b="1"/>
-              <a:t>Define Inputs and Outputs:</a:t>
-            </a:r>
-          </a:p>
-          <a:p>
-            <a:pPr lvl="0" indent="0" marL="0">
-              <a:buNone/>
-            </a:pPr>
-          </a:p>
-          <a:p>
-            <a:pPr lvl="1"/>
-            <a:r>
-              <a:rPr/>
-              <a:t>Identifying what data is needed as input and what the expected output should be.</a:t>
-            </a:r>
-          </a:p>
-          <a:p>
-            <a:pPr lvl="0" indent="0" marL="0">
-              <a:buNone/>
-            </a:pPr>
-          </a:p>
-          <a:p>
-            <a:pPr lvl="1"/>
-            <a:r>
-              <a:rPr/>
-              <a:t>Example: Input is the temperature in Fahrenheit, and the output is the temperature in Celsius.</a:t>
-            </a:r>
-          </a:p>
-          <a:p>
-            <a:pPr lvl="0" indent="0" marL="0">
-              <a:buNone/>
-            </a:pPr>
-          </a:p>
-          <a:p>
-            <a:pPr lvl="0"/>
-            <a:r>
-              <a:rPr b="1"/>
-              <a:t>Work the Problem by Hand:</a:t>
-            </a:r>
-          </a:p>
-          <a:p>
-            <a:pPr lvl="0" indent="0" marL="0">
-              <a:buNone/>
-            </a:pPr>
-          </a:p>
-          <a:p>
-            <a:pPr lvl="1"/>
-            <a:r>
-              <a:rPr/>
-              <a:t>Manually solving the problem with sample data to understand the steps involved.</a:t>
-            </a:r>
-          </a:p>
-          <a:p>
-            <a:pPr lvl="0" indent="0" marL="0">
-              <a:buNone/>
-            </a:pPr>
-          </a:p>
-          <a:p>
-            <a:pPr lvl="1"/>
-            <a:r>
-              <a:rPr/>
-              <a:t>Example: Converting a sample temperature from Fahrenheit to Celsius manually.</a:t>
-            </a:r>
-          </a:p>
-          <a:p>
-            <a:pPr lvl="0" indent="0" marL="0">
-              <a:buNone/>
-            </a:pPr>
-          </a:p>
-          <a:p>
-            <a:pPr lvl="0"/>
-            <a:r>
-              <a:rPr b="1"/>
-              <a:t>Write Pseudo Code:</a:t>
-            </a:r>
-          </a:p>
-          <a:p>
-            <a:pPr lvl="0" indent="0" marL="0">
-              <a:buNone/>
-            </a:pPr>
-          </a:p>
-          <a:p>
-            <a:pPr lvl="1"/>
-            <a:r>
-              <a:rPr/>
-              <a:t>Creating a high-level outline of the steps needed to solve the problem in a programming language.</a:t>
-            </a:r>
-          </a:p>
-          <a:p>
-            <a:pPr lvl="0" indent="0" marL="0">
-              <a:buNone/>
-            </a:pPr>
-          </a:p>
-          <a:p>
-            <a:pPr lvl="1"/>
-            <a:r>
-              <a:rPr/>
-              <a:t>Example: Writing pseudo code for the temperature conversion algorithm.</a:t>
-            </a:r>
-          </a:p>
-          <a:p>
-            <a:pPr lvl="0" indent="0" marL="0">
-              <a:buNone/>
-            </a:pPr>
-          </a:p>
-          <a:p>
-            <a:pPr lvl="0"/>
-            <a:r>
-              <a:rPr b="1"/>
-              <a:t>Convert to Python Code:</a:t>
-            </a:r>
-          </a:p>
-          <a:p>
-            <a:pPr lvl="0" indent="0" marL="0">
-              <a:buNone/>
-            </a:pPr>
-          </a:p>
-          <a:p>
-            <a:pPr lvl="1"/>
-            <a:r>
-              <a:rPr/>
-              <a:t>Translating the pseudo code into actual Python code, ensuring the logic is correctly implemented.</a:t>
-            </a:r>
-          </a:p>
-          <a:p>
-            <a:pPr lvl="0" indent="0" marL="0">
-              <a:buNone/>
-            </a:pPr>
-          </a:p>
-          <a:p>
-            <a:pPr lvl="1"/>
-            <a:r>
-              <a:rPr/>
-              <a:t>Example: Implementing the temperature conversion in Python using functions.</a:t>
-            </a:r>
-          </a:p>
-          <a:p>
-            <a:pPr lvl="0" indent="0" marL="0">
-              <a:buNone/>
-            </a:pPr>
-          </a:p>
-          <a:p>
-            <a:pPr lvl="0"/>
-            <a:r>
-              <a:rPr b="1"/>
-              <a:t>Test with Data:</a:t>
-            </a:r>
-          </a:p>
-          <a:p>
-            <a:pPr lvl="0" indent="0" marL="0">
-              <a:buNone/>
-            </a:pPr>
-          </a:p>
-          <a:p>
-            <a:pPr lvl="1"/>
-            <a:r>
-              <a:rPr/>
-              <a:t>Testing the Python code with various inputs to ensure it works correctly and handles edge cases.</a:t>
-            </a:r>
-          </a:p>
-          <a:p>
-            <a:pPr lvl="0" indent="0" marL="0">
-              <a:buNone/>
-            </a:pPr>
-          </a:p>
-          <a:p>
-            <a:pPr lvl="1"/>
-            <a:r>
-              <a:rPr/>
-              <a:t>Example: Testing the temperature conversion function with different temperature values.</a:t>
+              <a:t>Elaboration:</a:t>
+            </a:r>
+          </a:p>
+          <a:p>
+            <a:pPr lvl="0" indent="0" marL="0">
+              <a:buNone/>
+            </a:pPr>
+          </a:p>
+          <a:p>
+            <a:pPr lvl="0" indent="0" marL="0">
+              <a:buNone/>
+            </a:pPr>
+            <a:r>
+              <a:rPr/>
+              <a:t>Computers fundamentally store and process data as sequences of binary digits (0s and 1s). These binary sequences form the basis for all types of data a computer can handle. The concept of data types is crucial because it tells the computer how to interpret these binary sequences, whether as numbers, text, images, sound, or more complex structures like documents and videos. Here’s a deeper look at how data representation and types are foundational and their relationship to the six fundamental operations and the problem-solving framework:</a:t>
             </a:r>
           </a:p>
           <a:p>
@@ -2482,35 +2513,283 @@
             </a:pPr>
             <a:r>
               <a:rPr b="1"/>
-              <a:t>Data Representation and Types</a:t>
-            </a:r>
-          </a:p>
-          <a:p>
-            <a:pPr lvl="0" indent="0" marL="0">
-              <a:buNone/>
-            </a:pPr>
-          </a:p>
-          <a:p>
-            <a:pPr lvl="0" indent="0" marL="0">
-              <a:buNone/>
+              <a:t>How Data Representation and Types Relate to the Six Fundamental Operations:</a:t>
+            </a:r>
+          </a:p>
+          <a:p>
+            <a:pPr lvl="0" indent="0" marL="0">
+              <a:buNone/>
+            </a:pPr>
+          </a:p>
+          <a:p>
+            <a:pPr lvl="0" indent="-457200" marL="457200">
+              <a:buAutoNum type="arabicPeriod"/>
             </a:pPr>
             <a:r>
               <a:rPr b="1"/>
-              <a:t>Elaboration:</a:t>
-            </a:r>
-          </a:p>
-          <a:p>
-            <a:pPr lvl="0" indent="0" marL="0">
-              <a:buNone/>
-            </a:pPr>
-          </a:p>
-          <a:p>
-            <a:pPr lvl="0" indent="0" marL="0">
-              <a:buNone/>
-            </a:pPr>
-            <a:r>
-              <a:rPr/>
-              <a:t>Computers fundamentally store and process data as sequences of binary digits (0s and 1s). These binary sequences form the basis for all types of data a computer can handle. The concept of data types is crucial because it tells the computer how to interpret these binary sequences, whether as numbers, text, images, sound, or more complex structures like documents and videos. Here’s a deeper look at how data representation and types are foundational and their relationship to the six fundamental operations and the problem-solving framework:</a:t>
+              <a:t>Input:</a:t>
+            </a:r>
+          </a:p>
+          <a:p>
+            <a:pPr lvl="0" indent="0" marL="0">
+              <a:buNone/>
+            </a:pPr>
+          </a:p>
+          <a:p>
+            <a:pPr lvl="1"/>
+            <a:r>
+              <a:rPr b="1"/>
+              <a:t>Relevance:</a:t>
+            </a:r>
+            <a:r>
+              <a:rPr/>
+              <a:t> When inputting data into a program, knowing the data type is essential for correctly interpreting and processing the input. For instance, user inputs are often strings that may need conversion to other types (e.g., integers or floats) for calculations.</a:t>
+            </a:r>
+          </a:p>
+          <a:p>
+            <a:pPr lvl="0" indent="0" marL="0">
+              <a:buNone/>
+            </a:pPr>
+          </a:p>
+          <a:p>
+            <a:pPr lvl="1"/>
+            <a:r>
+              <a:rPr b="1"/>
+              <a:t>Example:</a:t>
+            </a:r>
+            <a:r>
+              <a:rPr/>
+              <a:t> Reading a temperature input as a string and converting it to a float for further processing.</a:t>
+            </a:r>
+          </a:p>
+          <a:p>
+            <a:pPr lvl="0" indent="0" marL="0">
+              <a:buNone/>
+            </a:pPr>
+          </a:p>
+          <a:p>
+            <a:pPr lvl="0" indent="-457200" marL="457200">
+              <a:buAutoNum type="arabicPeriod"/>
+            </a:pPr>
+            <a:r>
+              <a:rPr b="1"/>
+              <a:t>Output:</a:t>
+            </a:r>
+          </a:p>
+          <a:p>
+            <a:pPr lvl="0" indent="0" marL="0">
+              <a:buNone/>
+            </a:pPr>
+          </a:p>
+          <a:p>
+            <a:pPr lvl="1"/>
+            <a:r>
+              <a:rPr b="1"/>
+              <a:t>Relevance:</a:t>
+            </a:r>
+            <a:r>
+              <a:rPr/>
+              <a:t> When outputting data, the format and type must be considered to ensure the information is presented correctly. Different data types may require different formatting techniques.</a:t>
+            </a:r>
+          </a:p>
+          <a:p>
+            <a:pPr lvl="0" indent="0" marL="0">
+              <a:buNone/>
+            </a:pPr>
+          </a:p>
+          <a:p>
+            <a:pPr lvl="1"/>
+            <a:r>
+              <a:rPr b="1"/>
+              <a:t>Example:</a:t>
+            </a:r>
+            <a:r>
+              <a:rPr/>
+              <a:t> Displaying a temperature value with appropriate units (°C or °F) and ensuring it’s correctly formatted as a number.</a:t>
+            </a:r>
+          </a:p>
+          <a:p>
+            <a:pPr lvl="0" indent="0" marL="0">
+              <a:buNone/>
+            </a:pPr>
+          </a:p>
+          <a:p>
+            <a:pPr lvl="0" indent="-457200" marL="457200">
+              <a:buAutoNum type="arabicPeriod"/>
+            </a:pPr>
+            <a:r>
+              <a:rPr b="1"/>
+              <a:t>Calculation:</a:t>
+            </a:r>
+          </a:p>
+          <a:p>
+            <a:pPr lvl="0" indent="0" marL="0">
+              <a:buNone/>
+            </a:pPr>
+          </a:p>
+          <a:p>
+            <a:pPr lvl="1"/>
+            <a:r>
+              <a:rPr b="1"/>
+              <a:t>Relevance:</a:t>
+            </a:r>
+            <a:r>
+              <a:rPr/>
+              <a:t> Calculations require an understanding of numeric data types (integers, floats) to perform arithmetic operations accurately.</a:t>
+            </a:r>
+          </a:p>
+          <a:p>
+            <a:pPr lvl="0" indent="0" marL="0">
+              <a:buNone/>
+            </a:pPr>
+          </a:p>
+          <a:p>
+            <a:pPr lvl="1"/>
+            <a:r>
+              <a:rPr b="1"/>
+              <a:t>Example:</a:t>
+            </a:r>
+            <a:r>
+              <a:rPr/>
+              <a:t> Converting temperatures between different scales involves arithmetic operations on float values.</a:t>
+            </a:r>
+          </a:p>
+          <a:p>
+            <a:pPr lvl="0" indent="0" marL="0">
+              <a:buNone/>
+            </a:pPr>
+          </a:p>
+          <a:p>
+            <a:pPr lvl="0" indent="-457200" marL="457200">
+              <a:buAutoNum type="arabicPeriod"/>
+            </a:pPr>
+            <a:r>
+              <a:rPr b="1"/>
+              <a:t>Store/Assignment:</a:t>
+            </a:r>
+          </a:p>
+          <a:p>
+            <a:pPr lvl="0" indent="0" marL="0">
+              <a:buNone/>
+            </a:pPr>
+          </a:p>
+          <a:p>
+            <a:pPr lvl="1"/>
+            <a:r>
+              <a:rPr b="1"/>
+              <a:t>Relevance:</a:t>
+            </a:r>
+            <a:r>
+              <a:rPr/>
+              <a:t> Storing data in variables requires assigning appropriate types to ensure correct manipulation and retrieval. Data types dictate the operations that can be performed on the stored data.</a:t>
+            </a:r>
+          </a:p>
+          <a:p>
+            <a:pPr lvl="0" indent="0" marL="0">
+              <a:buNone/>
+            </a:pPr>
+          </a:p>
+          <a:p>
+            <a:pPr lvl="1"/>
+            <a:r>
+              <a:rPr b="1"/>
+              <a:t>Example:</a:t>
+            </a:r>
+            <a:r>
+              <a:rPr/>
+              <a:t> Assigning a temperature reading to a float variable and later updating it based on new input.</a:t>
+            </a:r>
+          </a:p>
+          <a:p>
+            <a:pPr lvl="0" indent="0" marL="0">
+              <a:buNone/>
+            </a:pPr>
+          </a:p>
+          <a:p>
+            <a:pPr lvl="0" indent="-457200" marL="457200">
+              <a:buAutoNum type="arabicPeriod"/>
+            </a:pPr>
+            <a:r>
+              <a:rPr b="1"/>
+              <a:t>Make Decisions (If/Then):</a:t>
+            </a:r>
+          </a:p>
+          <a:p>
+            <a:pPr lvl="0" indent="0" marL="0">
+              <a:buNone/>
+            </a:pPr>
+          </a:p>
+          <a:p>
+            <a:pPr lvl="1"/>
+            <a:r>
+              <a:rPr b="1"/>
+              <a:t>Relevance:</a:t>
+            </a:r>
+            <a:r>
+              <a:rPr/>
+              <a:t> Decision-making relies on Boolean expressions that often compare values of specific types. The result of these comparisons dictates the program’s flow.</a:t>
+            </a:r>
+          </a:p>
+          <a:p>
+            <a:pPr lvl="0" indent="0" marL="0">
+              <a:buNone/>
+            </a:pPr>
+          </a:p>
+          <a:p>
+            <a:pPr lvl="1"/>
+            <a:r>
+              <a:rPr b="1"/>
+              <a:t>Example:</a:t>
+            </a:r>
+            <a:r>
+              <a:rPr/>
+              <a:t> Checking if a temperature value exceeds a certain threshold to determine whether it’s hot or cold.</a:t>
+            </a:r>
+          </a:p>
+          <a:p>
+            <a:pPr lvl="0" indent="0" marL="0">
+              <a:buNone/>
+            </a:pPr>
+          </a:p>
+          <a:p>
+            <a:pPr lvl="0" indent="-457200" marL="457200">
+              <a:buAutoNum type="arabicPeriod"/>
+            </a:pPr>
+            <a:r>
+              <a:rPr b="1"/>
+              <a:t>Going Loopy (for, while):</a:t>
+            </a:r>
+          </a:p>
+          <a:p>
+            <a:pPr lvl="0" indent="0" marL="0">
+              <a:buNone/>
+            </a:pPr>
+          </a:p>
+          <a:p>
+            <a:pPr lvl="1"/>
+            <a:r>
+              <a:rPr b="1"/>
+              <a:t>Relevance:</a:t>
+            </a:r>
+            <a:r>
+              <a:rPr/>
+              <a:t> Iterating over collections of data (like lists or arrays) requires understanding the data type of elements being processed to apply appropriate operations.</a:t>
+            </a:r>
+          </a:p>
+          <a:p>
+            <a:pPr lvl="0" indent="0" marL="0">
+              <a:buNone/>
+            </a:pPr>
+          </a:p>
+          <a:p>
+            <a:pPr lvl="1"/>
+            <a:r>
+              <a:rPr b="1"/>
+              <a:t>Example:</a:t>
+            </a:r>
+            <a:r>
+              <a:rPr/>
+              <a:t> Looping through a list of temperature readings to find the highest value.</a:t>
             </a:r>
           </a:p>
           <a:p>
@@ -2527,7 +2806,7 @@
             </a:pPr>
             <a:r>
               <a:rPr b="1"/>
-              <a:t>How Data Representation and Types Relate to the Six Fundamental Operations:</a:t>
+              <a:t>How Data Representation and Types Relate to the Problem-Solving Framework:</a:t>
             </a:r>
           </a:p>
           <a:p>
@@ -2541,7 +2820,7 @@
             </a:pPr>
             <a:r>
               <a:rPr b="1"/>
-              <a:t>Input:</a:t>
+              <a:t>Understanding the Problem:</a:t>
             </a:r>
           </a:p>
           <a:p>
@@ -2553,11 +2832,11 @@
             <a:pPr lvl="1"/>
             <a:r>
               <a:rPr b="1"/>
-              <a:t>Relevance:</a:t>
-            </a:r>
-            <a:r>
-              <a:rPr/>
-              <a:t> When inputting data into a program, knowing the data type is essential for correctly interpreting and processing the input. For instance, user inputs are often strings that may need conversion to other types (e.g., integers or floats) for calculations.</a:t>
+              <a:t>Importance:</a:t>
+            </a:r>
+            <a:r>
+              <a:rPr/>
+              <a:t> Identifying the types of data involved is crucial for defining the problem accurately. This step sets the stage for deciding how data will be handled throughout the solution.</a:t>
             </a:r>
           </a:p>
           <a:p>
@@ -2573,7 +2852,7 @@
             </a:r>
             <a:r>
               <a:rPr/>
-              <a:t> Reading a temperature input as a string and converting it to a float for further processing.</a:t>
+              <a:t> Recognising that temperatures need to be processed as floats for accurate conversion between scales.</a:t>
             </a:r>
           </a:p>
           <a:p>
@@ -2587,7 +2866,7 @@
             </a:pPr>
             <a:r>
               <a:rPr b="1"/>
-              <a:t>Output:</a:t>
+              <a:t>Define Inputs and Outputs:</a:t>
             </a:r>
           </a:p>
           <a:p>
@@ -2599,11 +2878,11 @@
             <a:pPr lvl="1"/>
             <a:r>
               <a:rPr b="1"/>
-              <a:t>Relevance:</a:t>
-            </a:r>
-            <a:r>
-              <a:rPr/>
-              <a:t> When outputting data, the format and type must be considered to ensure the information is presented correctly. Different data types may require different formatting techniques.</a:t>
+              <a:t>Importance:</a:t>
+            </a:r>
+            <a:r>
+              <a:rPr/>
+              <a:t> Clearly defining data types for inputs and outputs ensures that the solution will handle data correctly and predictably.</a:t>
             </a:r>
           </a:p>
           <a:p>
@@ -2619,7 +2898,7 @@
             </a:r>
             <a:r>
               <a:rPr/>
-              <a:t> Displaying a temperature value with appropriate units (°C or °F) and ensuring it’s correctly formatted as a number.</a:t>
+              <a:t> Specifying that input temperatures will be floats and output temperatures will be formatted strings.</a:t>
             </a:r>
           </a:p>
           <a:p>
@@ -2633,7 +2912,7 @@
             </a:pPr>
             <a:r>
               <a:rPr b="1"/>
-              <a:t>Calculation:</a:t>
+              <a:t>Work the Problem by Hand:</a:t>
             </a:r>
           </a:p>
           <a:p>
@@ -2645,11 +2924,11 @@
             <a:pPr lvl="1"/>
             <a:r>
               <a:rPr b="1"/>
-              <a:t>Relevance:</a:t>
-            </a:r>
-            <a:r>
-              <a:rPr/>
-              <a:t> Calculations require an understanding of numeric data types (integers, floats) to perform arithmetic operations accurately.</a:t>
+              <a:t>Importance:</a:t>
+            </a:r>
+            <a:r>
+              <a:rPr/>
+              <a:t> Manually solving the problem with known data types helps in understanding the operations required and ensures the logical correctness of the approach.</a:t>
             </a:r>
           </a:p>
           <a:p>
@@ -2665,7 +2944,7 @@
             </a:r>
             <a:r>
               <a:rPr/>
-              <a:t> Converting temperatures between different scales involves arithmetic operations on float values.</a:t>
+              <a:t> Manually converting a temperature from Fahrenheit to Celsius, noting the arithmetic operations involved.</a:t>
             </a:r>
           </a:p>
           <a:p>
@@ -2679,7 +2958,7 @@
             </a:pPr>
             <a:r>
               <a:rPr b="1"/>
-              <a:t>Store/Assignment:</a:t>
+              <a:t>Write Pseudo Code:</a:t>
             </a:r>
           </a:p>
           <a:p>
@@ -2691,11 +2970,11 @@
             <a:pPr lvl="1"/>
             <a:r>
               <a:rPr b="1"/>
-              <a:t>Relevance:</a:t>
-            </a:r>
-            <a:r>
-              <a:rPr/>
-              <a:t> Storing data in variables requires assigning appropriate types to ensure correct manipulation and retrieval. Data types dictate the operations that can be performed on the stored data.</a:t>
+              <a:t>Importance:</a:t>
+            </a:r>
+            <a:r>
+              <a:rPr/>
+              <a:t> Pseudo code helps in abstracting the problem and specifying data types without worrying about syntax, ensuring the logical flow is sound.</a:t>
             </a:r>
           </a:p>
           <a:p>
@@ -2711,7 +2990,7 @@
             </a:r>
             <a:r>
               <a:rPr/>
-              <a:t> Assigning a temperature reading to a float variable and later updating it based on new input.</a:t>
+              <a:t> Outlining steps for temperature conversion, including type conversion operations.</a:t>
             </a:r>
           </a:p>
           <a:p>
@@ -2725,7 +3004,7 @@
             </a:pPr>
             <a:r>
               <a:rPr b="1"/>
-              <a:t>Make Decisions (If/Then):</a:t>
+              <a:t>Convert to Python Code:</a:t>
             </a:r>
           </a:p>
           <a:p>
@@ -2737,11 +3016,11 @@
             <a:pPr lvl="1"/>
             <a:r>
               <a:rPr b="1"/>
-              <a:t>Relevance:</a:t>
-            </a:r>
-            <a:r>
-              <a:rPr/>
-              <a:t> Decision-making relies on Boolean expressions that often compare values of specific types. The result of these comparisons dictates the program’s flow.</a:t>
+              <a:t>Importance:</a:t>
+            </a:r>
+            <a:r>
+              <a:rPr/>
+              <a:t> Translating pseudo code to Python involves explicitly defining and using data types correctly to implement the solution.</a:t>
             </a:r>
           </a:p>
           <a:p>
@@ -2757,7 +3036,7 @@
             </a:r>
             <a:r>
               <a:rPr/>
-              <a:t> Checking if a temperature value exceeds a certain threshold to determine whether it’s hot or cold.</a:t>
+              <a:t> Implementing the conversion algorithm with correct type handling in Python.</a:t>
             </a:r>
           </a:p>
           <a:p>
@@ -2771,7 +3050,7 @@
             </a:pPr>
             <a:r>
               <a:rPr b="1"/>
-              <a:t>Going Loopy (for, while):</a:t>
+              <a:t>Test with Data:</a:t>
             </a:r>
           </a:p>
           <a:p>
@@ -2783,11 +3062,11 @@
             <a:pPr lvl="1"/>
             <a:r>
               <a:rPr b="1"/>
-              <a:t>Relevance:</a:t>
-            </a:r>
-            <a:r>
-              <a:rPr/>
-              <a:t> Iterating over collections of data (like lists or arrays) requires understanding the data type of elements being processed to apply appropriate operations.</a:t>
+              <a:t>Importance:</a:t>
+            </a:r>
+            <a:r>
+              <a:rPr/>
+              <a:t> Testing the program with various data types ensures that all edge cases and typical scenarios are handled correctly, confirming the robustness of the solution.</a:t>
             </a:r>
           </a:p>
           <a:p>
@@ -2803,7 +3082,7 @@
             </a:r>
             <a:r>
               <a:rPr/>
-              <a:t> Looping through a list of temperature readings to find the highest value.</a:t>
+              <a:t> Testing the temperature conversion function with a range of input values, ensuring accurate outputs.</a:t>
             </a:r>
           </a:p>
           <a:p>
@@ -2820,299 +3099,6 @@
             </a:pPr>
             <a:r>
               <a:rPr b="1"/>
-              <a:t>How Data Representation and Types Relate to the Problem-Solving Framework:</a:t>
-            </a:r>
-          </a:p>
-          <a:p>
-            <a:pPr lvl="0" indent="0" marL="0">
-              <a:buNone/>
-            </a:pPr>
-          </a:p>
-          <a:p>
-            <a:pPr lvl="0" indent="-457200" marL="457200">
-              <a:buAutoNum type="arabicPeriod"/>
-            </a:pPr>
-            <a:r>
-              <a:rPr b="1"/>
-              <a:t>Understanding the Problem:</a:t>
-            </a:r>
-          </a:p>
-          <a:p>
-            <a:pPr lvl="0" indent="0" marL="0">
-              <a:buNone/>
-            </a:pPr>
-          </a:p>
-          <a:p>
-            <a:pPr lvl="1"/>
-            <a:r>
-              <a:rPr b="1"/>
-              <a:t>Importance:</a:t>
-            </a:r>
-            <a:r>
-              <a:rPr/>
-              <a:t> Identifying the types of data involved is crucial for defining the problem accurately. This step sets the stage for deciding how data will be handled throughout the solution.</a:t>
-            </a:r>
-          </a:p>
-          <a:p>
-            <a:pPr lvl="0" indent="0" marL="0">
-              <a:buNone/>
-            </a:pPr>
-          </a:p>
-          <a:p>
-            <a:pPr lvl="1"/>
-            <a:r>
-              <a:rPr b="1"/>
-              <a:t>Example:</a:t>
-            </a:r>
-            <a:r>
-              <a:rPr/>
-              <a:t> Recognising that temperatures need to be processed as floats for accurate conversion between scales.</a:t>
-            </a:r>
-          </a:p>
-          <a:p>
-            <a:pPr lvl="0" indent="0" marL="0">
-              <a:buNone/>
-            </a:pPr>
-          </a:p>
-          <a:p>
-            <a:pPr lvl="0" indent="-457200" marL="457200">
-              <a:buAutoNum type="arabicPeriod"/>
-            </a:pPr>
-            <a:r>
-              <a:rPr b="1"/>
-              <a:t>Define Inputs and Outputs:</a:t>
-            </a:r>
-          </a:p>
-          <a:p>
-            <a:pPr lvl="0" indent="0" marL="0">
-              <a:buNone/>
-            </a:pPr>
-          </a:p>
-          <a:p>
-            <a:pPr lvl="1"/>
-            <a:r>
-              <a:rPr b="1"/>
-              <a:t>Importance:</a:t>
-            </a:r>
-            <a:r>
-              <a:rPr/>
-              <a:t> Clearly defining data types for inputs and outputs ensures that the solution will handle data correctly and predictably.</a:t>
-            </a:r>
-          </a:p>
-          <a:p>
-            <a:pPr lvl="0" indent="0" marL="0">
-              <a:buNone/>
-            </a:pPr>
-          </a:p>
-          <a:p>
-            <a:pPr lvl="1"/>
-            <a:r>
-              <a:rPr b="1"/>
-              <a:t>Example:</a:t>
-            </a:r>
-            <a:r>
-              <a:rPr/>
-              <a:t> Specifying that input temperatures will be floats and output temperatures will be formatted strings.</a:t>
-            </a:r>
-          </a:p>
-          <a:p>
-            <a:pPr lvl="0" indent="0" marL="0">
-              <a:buNone/>
-            </a:pPr>
-          </a:p>
-          <a:p>
-            <a:pPr lvl="0" indent="-457200" marL="457200">
-              <a:buAutoNum type="arabicPeriod"/>
-            </a:pPr>
-            <a:r>
-              <a:rPr b="1"/>
-              <a:t>Work the Problem by Hand:</a:t>
-            </a:r>
-          </a:p>
-          <a:p>
-            <a:pPr lvl="0" indent="0" marL="0">
-              <a:buNone/>
-            </a:pPr>
-          </a:p>
-          <a:p>
-            <a:pPr lvl="1"/>
-            <a:r>
-              <a:rPr b="1"/>
-              <a:t>Importance:</a:t>
-            </a:r>
-            <a:r>
-              <a:rPr/>
-              <a:t> Manually solving the problem with known data types helps in understanding the operations required and ensures the logical correctness of the approach.</a:t>
-            </a:r>
-          </a:p>
-          <a:p>
-            <a:pPr lvl="0" indent="0" marL="0">
-              <a:buNone/>
-            </a:pPr>
-          </a:p>
-          <a:p>
-            <a:pPr lvl="1"/>
-            <a:r>
-              <a:rPr b="1"/>
-              <a:t>Example:</a:t>
-            </a:r>
-            <a:r>
-              <a:rPr/>
-              <a:t> Manually converting a temperature from Fahrenheit to Celsius, noting the arithmetic operations involved.</a:t>
-            </a:r>
-          </a:p>
-          <a:p>
-            <a:pPr lvl="0" indent="0" marL="0">
-              <a:buNone/>
-            </a:pPr>
-          </a:p>
-          <a:p>
-            <a:pPr lvl="0" indent="-457200" marL="457200">
-              <a:buAutoNum type="arabicPeriod"/>
-            </a:pPr>
-            <a:r>
-              <a:rPr b="1"/>
-              <a:t>Write Pseudo Code:</a:t>
-            </a:r>
-          </a:p>
-          <a:p>
-            <a:pPr lvl="0" indent="0" marL="0">
-              <a:buNone/>
-            </a:pPr>
-          </a:p>
-          <a:p>
-            <a:pPr lvl="1"/>
-            <a:r>
-              <a:rPr b="1"/>
-              <a:t>Importance:</a:t>
-            </a:r>
-            <a:r>
-              <a:rPr/>
-              <a:t> Pseudo code helps in abstracting the problem and specifying data types without worrying about syntax, ensuring the logical flow is sound.</a:t>
-            </a:r>
-          </a:p>
-          <a:p>
-            <a:pPr lvl="0" indent="0" marL="0">
-              <a:buNone/>
-            </a:pPr>
-          </a:p>
-          <a:p>
-            <a:pPr lvl="1"/>
-            <a:r>
-              <a:rPr b="1"/>
-              <a:t>Example:</a:t>
-            </a:r>
-            <a:r>
-              <a:rPr/>
-              <a:t> Outlining steps for temperature conversion, including type conversion operations.</a:t>
-            </a:r>
-          </a:p>
-          <a:p>
-            <a:pPr lvl="0" indent="0" marL="0">
-              <a:buNone/>
-            </a:pPr>
-          </a:p>
-          <a:p>
-            <a:pPr lvl="0" indent="-457200" marL="457200">
-              <a:buAutoNum type="arabicPeriod"/>
-            </a:pPr>
-            <a:r>
-              <a:rPr b="1"/>
-              <a:t>Convert to Python Code:</a:t>
-            </a:r>
-          </a:p>
-          <a:p>
-            <a:pPr lvl="0" indent="0" marL="0">
-              <a:buNone/>
-            </a:pPr>
-          </a:p>
-          <a:p>
-            <a:pPr lvl="1"/>
-            <a:r>
-              <a:rPr b="1"/>
-              <a:t>Importance:</a:t>
-            </a:r>
-            <a:r>
-              <a:rPr/>
-              <a:t> Translating pseudo code to Python involves explicitly defining and using data types correctly to implement the solution.</a:t>
-            </a:r>
-          </a:p>
-          <a:p>
-            <a:pPr lvl="0" indent="0" marL="0">
-              <a:buNone/>
-            </a:pPr>
-          </a:p>
-          <a:p>
-            <a:pPr lvl="1"/>
-            <a:r>
-              <a:rPr b="1"/>
-              <a:t>Example:</a:t>
-            </a:r>
-            <a:r>
-              <a:rPr/>
-              <a:t> Implementing the conversion algorithm with correct type handling in Python.</a:t>
-            </a:r>
-          </a:p>
-          <a:p>
-            <a:pPr lvl="0" indent="0" marL="0">
-              <a:buNone/>
-            </a:pPr>
-          </a:p>
-          <a:p>
-            <a:pPr lvl="0" indent="-457200" marL="457200">
-              <a:buAutoNum type="arabicPeriod"/>
-            </a:pPr>
-            <a:r>
-              <a:rPr b="1"/>
-              <a:t>Test with Data:</a:t>
-            </a:r>
-          </a:p>
-          <a:p>
-            <a:pPr lvl="0" indent="0" marL="0">
-              <a:buNone/>
-            </a:pPr>
-          </a:p>
-          <a:p>
-            <a:pPr lvl="1"/>
-            <a:r>
-              <a:rPr b="1"/>
-              <a:t>Importance:</a:t>
-            </a:r>
-            <a:r>
-              <a:rPr/>
-              <a:t> Testing the program with various data types ensures that all edge cases and typical scenarios are handled correctly, confirming the robustness of the solution.</a:t>
-            </a:r>
-          </a:p>
-          <a:p>
-            <a:pPr lvl="0" indent="0" marL="0">
-              <a:buNone/>
-            </a:pPr>
-          </a:p>
-          <a:p>
-            <a:pPr lvl="1"/>
-            <a:r>
-              <a:rPr b="1"/>
-              <a:t>Example:</a:t>
-            </a:r>
-            <a:r>
-              <a:rPr/>
-              <a:t> Testing the temperature conversion function with a range of input values, ensuring accurate outputs.</a:t>
-            </a:r>
-          </a:p>
-          <a:p>
-            <a:pPr lvl="0" indent="0" marL="0">
-              <a:buNone/>
-            </a:pPr>
-          </a:p>
-          <a:p>
-            <a:pPr lvl="0" indent="0" marL="0">
-              <a:spcBef>
-                <a:spcPts val="3000"/>
-              </a:spcBef>
-              <a:buNone/>
-            </a:pPr>
-            <a:r>
-              <a:rPr b="1"/>
               <a:t>Conclusion:</a:t>
             </a:r>
           </a:p>
@@ -3163,7 +3149,7 @@
           <a:p>
             <a:fld id="{18BDFEC3-8487-43E8-A154-7C12CBC1FFF2}" type="slidenum">
               <a:rPr lang="en-US"/>
-              <a:t>65</a:t>
+              <a:t>68</a:t>
             </a:fld>
             <a:endParaRPr lang="en-US"/>
           </a:p>
@@ -9968,7 +9954,7 @@
                 </a:solidFill>
                 <a:latin typeface="Courier"/>
               </a:rPr>
-              <a:t>5</a:t>
+              <a:t>3</a:t>
             </a:r>
             <a:r>
               <a:rPr>
@@ -10046,9 +10032,7 @@
               </a:rPr>
               <a:t>0
 1
-2
-3
-4</a:t>
+2</a:t>
             </a:r>
           </a:p>
         </p:txBody>
@@ -10784,24 +10768,6 @@
           <a:bodyPr/>
           <a:lstStyle/>
           <a:p>
-            <a:pPr lvl="0" indent="0" marL="0">
-              <a:buNone/>
-            </a:pPr>
-            <a:r>
-              <a:rPr/>
-              <a:t>Nested loops are loops that are contained within another loop. This allows you to iterate over multiple iterables simultaneously.</a:t>
-            </a:r>
-          </a:p>
-          <a:p>
-            <a:pPr lvl="0" indent="0" marL="0">
-              <a:buNone/>
-            </a:pPr>
-            <a:r>
-              <a:rPr/>
-              <a:t>Example:</a:t>
-            </a:r>
-          </a:p>
-          <a:p>
             <a:pPr lvl="0" indent="0">
               <a:buNone/>
             </a:pPr>
@@ -12291,243 +12257,6 @@
               <a:t>Sets: Storing unique values</a:t>
             </a:r>
           </a:p>
-          <a:p>
-            <a:pPr lvl="0" indent="0" marL="0">
-              <a:spcBef>
-                <a:spcPts val="3000"/>
-              </a:spcBef>
-              <a:buNone/>
-            </a:pPr>
-            <a:r>
-              <a:rPr b="1"/>
-              <a:t>Tuples: Storing Immutable Values**</a:t>
-            </a:r>
-          </a:p>
-          <a:p>
-            <a:pPr lvl="0" indent="0">
-              <a:buNone/>
-            </a:pPr>
-            <a:r>
-              <a:rPr>
-                <a:solidFill>
-                  <a:srgbClr val="003B4F"/>
-                </a:solidFill>
-                <a:latin typeface="Courier"/>
-              </a:rPr>
-              <a:t>my_tuple </a:t>
-            </a:r>
-            <a:r>
-              <a:rPr>
-                <a:solidFill>
-                  <a:srgbClr val="5E5E5E"/>
-                </a:solidFill>
-                <a:latin typeface="Courier"/>
-              </a:rPr>
-              <a:t>=</a:t>
-            </a:r>
-            <a:r>
-              <a:rPr>
-                <a:solidFill>
-                  <a:srgbClr val="003B4F"/>
-                </a:solidFill>
-                <a:latin typeface="Courier"/>
-              </a:rPr>
-              <a:t> (</a:t>
-            </a:r>
-            <a:r>
-              <a:rPr>
-                <a:solidFill>
-                  <a:srgbClr val="AD0000"/>
-                </a:solidFill>
-                <a:latin typeface="Courier"/>
-              </a:rPr>
-              <a:t>1</a:t>
-            </a:r>
-            <a:r>
-              <a:rPr>
-                <a:solidFill>
-                  <a:srgbClr val="003B4F"/>
-                </a:solidFill>
-                <a:latin typeface="Courier"/>
-              </a:rPr>
-              <a:t>, </a:t>
-            </a:r>
-            <a:r>
-              <a:rPr>
-                <a:solidFill>
-                  <a:srgbClr val="AD0000"/>
-                </a:solidFill>
-                <a:latin typeface="Courier"/>
-              </a:rPr>
-              <a:t>2</a:t>
-            </a:r>
-            <a:r>
-              <a:rPr>
-                <a:solidFill>
-                  <a:srgbClr val="003B4F"/>
-                </a:solidFill>
-                <a:latin typeface="Courier"/>
-              </a:rPr>
-              <a:t>, </a:t>
-            </a:r>
-            <a:r>
-              <a:rPr>
-                <a:solidFill>
-                  <a:srgbClr val="AD0000"/>
-                </a:solidFill>
-                <a:latin typeface="Courier"/>
-              </a:rPr>
-              <a:t>3</a:t>
-            </a:r>
-            <a:r>
-              <a:rPr>
-                <a:solidFill>
-                  <a:srgbClr val="003B4F"/>
-                </a:solidFill>
-                <a:latin typeface="Courier"/>
-              </a:rPr>
-              <a:t>, </a:t>
-            </a:r>
-            <a:r>
-              <a:rPr>
-                <a:solidFill>
-                  <a:srgbClr val="AD0000"/>
-                </a:solidFill>
-                <a:latin typeface="Courier"/>
-              </a:rPr>
-              <a:t>4</a:t>
-            </a:r>
-            <a:r>
-              <a:rPr>
-                <a:solidFill>
-                  <a:srgbClr val="003B4F"/>
-                </a:solidFill>
-                <a:latin typeface="Courier"/>
-              </a:rPr>
-              <a:t>, </a:t>
-            </a:r>
-            <a:r>
-              <a:rPr>
-                <a:solidFill>
-                  <a:srgbClr val="AD0000"/>
-                </a:solidFill>
-                <a:latin typeface="Courier"/>
-              </a:rPr>
-              <a:t>5</a:t>
-            </a:r>
-            <a:r>
-              <a:rPr>
-                <a:solidFill>
-                  <a:srgbClr val="003B4F"/>
-                </a:solidFill>
-                <a:latin typeface="Courier"/>
-              </a:rPr>
-              <a:t>)</a:t>
-            </a:r>
-            <a:br/>
-            <a:r>
-              <a:rPr>
-                <a:solidFill>
-                  <a:srgbClr val="003B4F"/>
-                </a:solidFill>
-                <a:latin typeface="Courier"/>
-              </a:rPr>
-              <a:t>print(my_tuple)  </a:t>
-            </a:r>
-            <a:r>
-              <a:rPr>
-                <a:solidFill>
-                  <a:srgbClr val="5E5E5E"/>
-                </a:solidFill>
-                <a:latin typeface="Courier"/>
-              </a:rPr>
-              <a:t># Output: (1, 2, 3, 4, 5)</a:t>
-            </a:r>
-            <a:br/>
-            <a:br/>
-            <a:r>
-              <a:rPr>
-                <a:solidFill>
-                  <a:srgbClr val="5E5E5E"/>
-                </a:solidFill>
-                <a:latin typeface="Courier"/>
-              </a:rPr>
-              <a:t># Trying to modify the tuple will raise a TypeError</a:t>
-            </a:r>
-            <a:br/>
-            <a:r>
-              <a:rPr>
-                <a:solidFill>
-                  <a:srgbClr val="003B4F"/>
-                </a:solidFill>
-                <a:latin typeface="Courier"/>
-              </a:rPr>
-              <a:t>my_tuple[</a:t>
-            </a:r>
-            <a:r>
-              <a:rPr>
-                <a:solidFill>
-                  <a:srgbClr val="AD0000"/>
-                </a:solidFill>
-                <a:latin typeface="Courier"/>
-              </a:rPr>
-              <a:t>0</a:t>
-            </a:r>
-            <a:r>
-              <a:rPr>
-                <a:solidFill>
-                  <a:srgbClr val="003B4F"/>
-                </a:solidFill>
-                <a:latin typeface="Courier"/>
-              </a:rPr>
-              <a:t>] </a:t>
-            </a:r>
-            <a:r>
-              <a:rPr>
-                <a:solidFill>
-                  <a:srgbClr val="5E5E5E"/>
-                </a:solidFill>
-                <a:latin typeface="Courier"/>
-              </a:rPr>
-              <a:t>=</a:t>
-            </a:r>
-            <a:r>
-              <a:rPr>
-                <a:solidFill>
-                  <a:srgbClr val="003B4F"/>
-                </a:solidFill>
-                <a:latin typeface="Courier"/>
-              </a:rPr>
-              <a:t> </a:t>
-            </a:r>
-            <a:r>
-              <a:rPr>
-                <a:solidFill>
-                  <a:srgbClr val="AD0000"/>
-                </a:solidFill>
-                <a:latin typeface="Courier"/>
-              </a:rPr>
-              <a:t>10</a:t>
-            </a:r>
-            <a:r>
-              <a:rPr>
-                <a:solidFill>
-                  <a:srgbClr val="003B4F"/>
-                </a:solidFill>
-                <a:latin typeface="Courier"/>
-              </a:rPr>
-              <a:t>  </a:t>
-            </a:r>
-            <a:r>
-              <a:rPr>
-                <a:solidFill>
-                  <a:srgbClr val="5E5E5E"/>
-                </a:solidFill>
-                <a:latin typeface="Courier"/>
-              </a:rPr>
-              <a:t># Raises TypeError: 'tuple' object does not support item assignment</a:t>
-            </a:r>
-          </a:p>
         </p:txBody>
       </p:sp>
       <p:sp>
@@ -12615,7 +12344,7 @@
             </a:pPr>
             <a:r>
               <a:rPr/>
-              <a:t>Lists: Storing Sequences of Values**</a:t>
+              <a:t>Tuples: Storing Immutable Values</a:t>
             </a:r>
           </a:p>
         </p:txBody>
@@ -12645,7 +12374,7 @@
                 </a:solidFill>
                 <a:latin typeface="Courier"/>
               </a:rPr>
-              <a:t>my_list </a:t>
+              <a:t>my_tuple </a:t>
             </a:r>
             <a:r>
               <a:rPr>
@@ -12663,7 +12392,7 @@
                 </a:solidFill>
                 <a:latin typeface="Courier"/>
               </a:rPr>
-              <a:t> [</a:t>
+              <a:t> (</a:t>
             </a:r>
             <a:r>
               <a:rPr>
@@ -12753,7 +12482,7 @@
                 </a:solidFill>
                 <a:latin typeface="Courier"/>
               </a:rPr>
-              <a:t>]</a:t>
+              <a:t>)</a:t>
             </a:r>
             <a:br/>
             <a:r>
@@ -12763,7 +12492,7 @@
                 </a:solidFill>
                 <a:latin typeface="Courier"/>
               </a:rPr>
-              <a:t>print(my_list)  </a:t>
+              <a:t>print(my_tuple)  </a:t>
             </a:r>
             <a:r>
               <a:rPr>
@@ -12772,7 +12501,7 @@
                 </a:solidFill>
                 <a:latin typeface="Courier"/>
               </a:rPr>
-              <a:t># Output: [1, 2, 3, 4, 5]</a:t>
+              <a:t># Output: (1, 2, 3, 4, 5)</a:t>
             </a:r>
             <a:br/>
             <a:br/>
@@ -12783,7 +12512,7 @@
                 </a:solidFill>
                 <a:latin typeface="Courier"/>
               </a:rPr>
-              <a:t># Modifying the list is allowed</a:t>
+              <a:t># Trying to modify the tuple will raise a TypeError</a:t>
             </a:r>
             <a:br/>
             <a:r>
@@ -12793,7 +12522,7 @@
                 </a:solidFill>
                 <a:latin typeface="Courier"/>
               </a:rPr>
-              <a:t>my_list.append(</a:t>
+              <a:t>my_tuple[</a:t>
             </a:r>
             <a:r>
               <a:rPr>
@@ -12802,26 +12531,16 @@
                 </a:solidFill>
                 <a:latin typeface="Courier"/>
               </a:rPr>
-              <a:t>6</a:t>
-            </a:r>
-            <a:r>
-              <a:rPr>
-                <a:solidFill>
-                  <a:srgbClr val="003B4F"/>
-                </a:solidFill>
-                <a:latin typeface="Courier"/>
-              </a:rPr>
-              <a:t>)</a:t>
-            </a:r>
-            <a:br/>
-            <a:r>
-              <a:rPr>
-                <a:solidFill>
-                  <a:srgbClr val="003B4F"/>
-                </a:solidFill>
-                <a:latin typeface="Courier"/>
-              </a:rPr>
-              <a:t>print(my_list)  </a:t>
+              <a:t>0</a:t>
+            </a:r>
+            <a:r>
+              <a:rPr>
+                <a:solidFill>
+                  <a:srgbClr val="003B4F"/>
+                </a:solidFill>
+                <a:latin typeface="Courier"/>
+              </a:rPr>
+              <a:t>] </a:t>
             </a:r>
             <a:r>
               <a:rPr>
@@ -12830,7 +12549,43 @@
                 </a:solidFill>
                 <a:latin typeface="Courier"/>
               </a:rPr>
-              <a:t># Output: [1, 2, 3, 4, 5, 6]</a:t>
+              <a:t>=</a:t>
+            </a:r>
+            <a:r>
+              <a:rPr>
+                <a:solidFill>
+                  <a:srgbClr val="003B4F"/>
+                </a:solidFill>
+                <a:latin typeface="Courier"/>
+              </a:rPr>
+              <a:t> </a:t>
+            </a:r>
+            <a:r>
+              <a:rPr>
+                <a:solidFill>
+                  <a:srgbClr val="AD0000"/>
+                </a:solidFill>
+                <a:latin typeface="Courier"/>
+              </a:rPr>
+              <a:t>10</a:t>
+            </a:r>
+            <a:r>
+              <a:rPr>
+                <a:solidFill>
+                  <a:srgbClr val="003B4F"/>
+                </a:solidFill>
+                <a:latin typeface="Courier"/>
+              </a:rPr>
+              <a:t>  </a:t>
+            </a:r>
+            <a:r>
+              <a:rPr>
+                <a:solidFill>
+                  <a:srgbClr val="5E5E5E"/>
+                </a:solidFill>
+                <a:latin typeface="Courier"/>
+              </a:rPr>
+              <a:t># Raises TypeError: 'tuple' object does not support item assignment</a:t>
             </a:r>
           </a:p>
         </p:txBody>
@@ -12920,7 +12675,7 @@
             </a:pPr>
             <a:r>
               <a:rPr/>
-              <a:t>*Dictionaries: Key-Value Pairs for Data Organisation**</a:t>
+              <a:t>Lists: Storing Sequences of Values</a:t>
             </a:r>
           </a:p>
         </p:txBody>
@@ -12950,7 +12705,7 @@
                 </a:solidFill>
                 <a:latin typeface="Courier"/>
               </a:rPr>
-              <a:t>my_dict </a:t>
+              <a:t>my_list </a:t>
             </a:r>
             <a:r>
               <a:rPr>
@@ -12968,34 +12723,16 @@
                 </a:solidFill>
                 <a:latin typeface="Courier"/>
               </a:rPr>
-              <a:t> {</a:t>
-            </a:r>
-            <a:r>
-              <a:rPr>
-                <a:solidFill>
-                  <a:srgbClr val="20794D"/>
-                </a:solidFill>
-                <a:latin typeface="Courier"/>
-              </a:rPr>
-              <a:t>"name"</a:t>
-            </a:r>
-            <a:r>
-              <a:rPr>
-                <a:solidFill>
-                  <a:srgbClr val="003B4F"/>
-                </a:solidFill>
-                <a:latin typeface="Courier"/>
-              </a:rPr>
-              <a:t>: </a:t>
-            </a:r>
-            <a:r>
-              <a:rPr>
-                <a:solidFill>
-                  <a:srgbClr val="20794D"/>
-                </a:solidFill>
-                <a:latin typeface="Courier"/>
-              </a:rPr>
-              <a:t>"John"</a:t>
+              <a:t> [</a:t>
+            </a:r>
+            <a:r>
+              <a:rPr>
+                <a:solidFill>
+                  <a:srgbClr val="AD0000"/>
+                </a:solidFill>
+                <a:latin typeface="Courier"/>
+              </a:rPr>
+              <a:t>1</a:t>
             </a:r>
             <a:r>
               <a:rPr>
@@ -13009,29 +12746,11 @@
             <a:r>
               <a:rPr>
                 <a:solidFill>
-                  <a:srgbClr val="20794D"/>
-                </a:solidFill>
-                <a:latin typeface="Courier"/>
-              </a:rPr>
-              <a:t>"age"</a:t>
-            </a:r>
-            <a:r>
-              <a:rPr>
-                <a:solidFill>
-                  <a:srgbClr val="003B4F"/>
-                </a:solidFill>
-                <a:latin typeface="Courier"/>
-              </a:rPr>
-              <a:t>: </a:t>
-            </a:r>
-            <a:r>
-              <a:rPr>
-                <a:solidFill>
                   <a:srgbClr val="AD0000"/>
                 </a:solidFill>
                 <a:latin typeface="Courier"/>
               </a:rPr>
-              <a:t>30</a:t>
+              <a:t>2</a:t>
             </a:r>
             <a:r>
               <a:rPr>
@@ -13045,38 +12764,56 @@
             <a:r>
               <a:rPr>
                 <a:solidFill>
-                  <a:srgbClr val="20794D"/>
-                </a:solidFill>
-                <a:latin typeface="Courier"/>
-              </a:rPr>
-              <a:t>"city"</a:t>
-            </a:r>
-            <a:r>
-              <a:rPr>
-                <a:solidFill>
-                  <a:srgbClr val="003B4F"/>
-                </a:solidFill>
-                <a:latin typeface="Courier"/>
-              </a:rPr>
-              <a:t>: </a:t>
-            </a:r>
-            <a:r>
-              <a:rPr>
-                <a:solidFill>
-                  <a:srgbClr val="20794D"/>
-                </a:solidFill>
-                <a:latin typeface="Courier"/>
-              </a:rPr>
-              <a:t>"New York"</a:t>
-            </a:r>
-            <a:r>
-              <a:rPr>
-                <a:solidFill>
-                  <a:srgbClr val="003B4F"/>
-                </a:solidFill>
-                <a:latin typeface="Courier"/>
-              </a:rPr>
-              <a:t>}</a:t>
+                  <a:srgbClr val="AD0000"/>
+                </a:solidFill>
+                <a:latin typeface="Courier"/>
+              </a:rPr>
+              <a:t>3</a:t>
+            </a:r>
+            <a:r>
+              <a:rPr>
+                <a:solidFill>
+                  <a:srgbClr val="003B4F"/>
+                </a:solidFill>
+                <a:latin typeface="Courier"/>
+              </a:rPr>
+              <a:t>, </a:t>
+            </a:r>
+            <a:r>
+              <a:rPr>
+                <a:solidFill>
+                  <a:srgbClr val="AD0000"/>
+                </a:solidFill>
+                <a:latin typeface="Courier"/>
+              </a:rPr>
+              <a:t>4</a:t>
+            </a:r>
+            <a:r>
+              <a:rPr>
+                <a:solidFill>
+                  <a:srgbClr val="003B4F"/>
+                </a:solidFill>
+                <a:latin typeface="Courier"/>
+              </a:rPr>
+              <a:t>, </a:t>
+            </a:r>
+            <a:r>
+              <a:rPr>
+                <a:solidFill>
+                  <a:srgbClr val="AD0000"/>
+                </a:solidFill>
+                <a:latin typeface="Courier"/>
+              </a:rPr>
+              <a:t>5</a:t>
+            </a:r>
+            <a:r>
+              <a:rPr>
+                <a:solidFill>
+                  <a:srgbClr val="003B4F"/>
+                </a:solidFill>
+                <a:latin typeface="Courier"/>
+              </a:rPr>
+              <a:t>]</a:t>
             </a:r>
             <a:br/>
             <a:r>
@@ -13086,7 +12823,7 @@
                 </a:solidFill>
                 <a:latin typeface="Courier"/>
               </a:rPr>
-              <a:t>print(my_dict)  </a:t>
+              <a:t>print(my_list)  </a:t>
             </a:r>
             <a:r>
               <a:rPr>
@@ -13095,7 +12832,7 @@
                 </a:solidFill>
                 <a:latin typeface="Courier"/>
               </a:rPr>
-              <a:t># Output: {'name': 'John', 'age': 30, 'city': 'New York'}</a:t>
+              <a:t># Output: [1, 2, 3, 4, 5]</a:t>
             </a:r>
             <a:br/>
             <a:br/>
@@ -13106,7 +12843,7 @@
                 </a:solidFill>
                 <a:latin typeface="Courier"/>
               </a:rPr>
-              <a:t># Accessing values using keys</a:t>
+              <a:t># Modifying the list is allowed</a:t>
             </a:r>
             <a:br/>
             <a:r>
@@ -13116,25 +12853,35 @@
                 </a:solidFill>
                 <a:latin typeface="Courier"/>
               </a:rPr>
-              <a:t>print(my_dict[</a:t>
-            </a:r>
-            <a:r>
-              <a:rPr>
-                <a:solidFill>
-                  <a:srgbClr val="20794D"/>
-                </a:solidFill>
-                <a:latin typeface="Courier"/>
-              </a:rPr>
-              <a:t>"name"</a:t>
-            </a:r>
-            <a:r>
-              <a:rPr>
-                <a:solidFill>
-                  <a:srgbClr val="003B4F"/>
-                </a:solidFill>
-                <a:latin typeface="Courier"/>
-              </a:rPr>
-              <a:t>])  </a:t>
+              <a:t>my_list.append(</a:t>
+            </a:r>
+            <a:r>
+              <a:rPr>
+                <a:solidFill>
+                  <a:srgbClr val="AD0000"/>
+                </a:solidFill>
+                <a:latin typeface="Courier"/>
+              </a:rPr>
+              <a:t>6</a:t>
+            </a:r>
+            <a:r>
+              <a:rPr>
+                <a:solidFill>
+                  <a:srgbClr val="003B4F"/>
+                </a:solidFill>
+                <a:latin typeface="Courier"/>
+              </a:rPr>
+              <a:t>)</a:t>
+            </a:r>
+            <a:br/>
+            <a:r>
+              <a:rPr>
+                <a:solidFill>
+                  <a:srgbClr val="003B4F"/>
+                </a:solidFill>
+                <a:latin typeface="Courier"/>
+              </a:rPr>
+              <a:t>print(my_list)  </a:t>
             </a:r>
             <a:r>
               <a:rPr>
@@ -13143,129 +12890,7 @@
                 </a:solidFill>
                 <a:latin typeface="Courier"/>
               </a:rPr>
-              <a:t># Output: John</a:t>
-            </a:r>
-            <a:br/>
-            <a:r>
-              <a:rPr>
-                <a:solidFill>
-                  <a:srgbClr val="003B4F"/>
-                </a:solidFill>
-                <a:latin typeface="Courier"/>
-              </a:rPr>
-              <a:t>print(my_dict[</a:t>
-            </a:r>
-            <a:r>
-              <a:rPr>
-                <a:solidFill>
-                  <a:srgbClr val="20794D"/>
-                </a:solidFill>
-                <a:latin typeface="Courier"/>
-              </a:rPr>
-              <a:t>"age"</a:t>
-            </a:r>
-            <a:r>
-              <a:rPr>
-                <a:solidFill>
-                  <a:srgbClr val="003B4F"/>
-                </a:solidFill>
-                <a:latin typeface="Courier"/>
-              </a:rPr>
-              <a:t>])  </a:t>
-            </a:r>
-            <a:r>
-              <a:rPr>
-                <a:solidFill>
-                  <a:srgbClr val="5E5E5E"/>
-                </a:solidFill>
-                <a:latin typeface="Courier"/>
-              </a:rPr>
-              <a:t># Output: 30</a:t>
-            </a:r>
-            <a:br/>
-            <a:br/>
-            <a:r>
-              <a:rPr>
-                <a:solidFill>
-                  <a:srgbClr val="5E5E5E"/>
-                </a:solidFill>
-                <a:latin typeface="Courier"/>
-              </a:rPr>
-              <a:t># Modifying values is allowed</a:t>
-            </a:r>
-            <a:br/>
-            <a:r>
-              <a:rPr>
-                <a:solidFill>
-                  <a:srgbClr val="003B4F"/>
-                </a:solidFill>
-                <a:latin typeface="Courier"/>
-              </a:rPr>
-              <a:t>my_dict[</a:t>
-            </a:r>
-            <a:r>
-              <a:rPr>
-                <a:solidFill>
-                  <a:srgbClr val="20794D"/>
-                </a:solidFill>
-                <a:latin typeface="Courier"/>
-              </a:rPr>
-              <a:t>"age"</a:t>
-            </a:r>
-            <a:r>
-              <a:rPr>
-                <a:solidFill>
-                  <a:srgbClr val="003B4F"/>
-                </a:solidFill>
-                <a:latin typeface="Courier"/>
-              </a:rPr>
-              <a:t>] </a:t>
-            </a:r>
-            <a:r>
-              <a:rPr>
-                <a:solidFill>
-                  <a:srgbClr val="5E5E5E"/>
-                </a:solidFill>
-                <a:latin typeface="Courier"/>
-              </a:rPr>
-              <a:t>=</a:t>
-            </a:r>
-            <a:r>
-              <a:rPr>
-                <a:solidFill>
-                  <a:srgbClr val="003B4F"/>
-                </a:solidFill>
-                <a:latin typeface="Courier"/>
-              </a:rPr>
-              <a:t> </a:t>
-            </a:r>
-            <a:r>
-              <a:rPr>
-                <a:solidFill>
-                  <a:srgbClr val="AD0000"/>
-                </a:solidFill>
-                <a:latin typeface="Courier"/>
-              </a:rPr>
-              <a:t>31</a:t>
-            </a:r>
-            <a:br/>
-            <a:r>
-              <a:rPr>
-                <a:solidFill>
-                  <a:srgbClr val="003B4F"/>
-                </a:solidFill>
-                <a:latin typeface="Courier"/>
-              </a:rPr>
-              <a:t>print(my_dict)  </a:t>
-            </a:r>
-            <a:r>
-              <a:rPr>
-                <a:solidFill>
-                  <a:srgbClr val="5E5E5E"/>
-                </a:solidFill>
-                <a:latin typeface="Courier"/>
-              </a:rPr>
-              <a:t># Output: {'name': 'John', 'age': 31, 'city': 'New York'}</a:t>
+              <a:t># Output: [1, 2, 3, 4, 5, 6]</a:t>
             </a:r>
           </a:p>
         </p:txBody>
@@ -13529,7 +13154,7 @@
             </a:pPr>
             <a:r>
               <a:rPr/>
-              <a:t>Sets: Storing Unique Values**</a:t>
+              <a:t>Dictionaries: Key-Value Pairs for Data Organisation</a:t>
             </a:r>
           </a:p>
         </p:txBody>
@@ -13559,7 +13184,7 @@
                 </a:solidFill>
                 <a:latin typeface="Courier"/>
               </a:rPr>
-              <a:t>my_set </a:t>
+              <a:t>my_dict </a:t>
             </a:r>
             <a:r>
               <a:rPr>
@@ -13582,11 +13207,65 @@
             <a:r>
               <a:rPr>
                 <a:solidFill>
+                  <a:srgbClr val="20794D"/>
+                </a:solidFill>
+                <a:latin typeface="Courier"/>
+              </a:rPr>
+              <a:t>"name"</a:t>
+            </a:r>
+            <a:r>
+              <a:rPr>
+                <a:solidFill>
+                  <a:srgbClr val="003B4F"/>
+                </a:solidFill>
+                <a:latin typeface="Courier"/>
+              </a:rPr>
+              <a:t>: </a:t>
+            </a:r>
+            <a:r>
+              <a:rPr>
+                <a:solidFill>
+                  <a:srgbClr val="20794D"/>
+                </a:solidFill>
+                <a:latin typeface="Courier"/>
+              </a:rPr>
+              <a:t>"John"</a:t>
+            </a:r>
+            <a:r>
+              <a:rPr>
+                <a:solidFill>
+                  <a:srgbClr val="003B4F"/>
+                </a:solidFill>
+                <a:latin typeface="Courier"/>
+              </a:rPr>
+              <a:t>, </a:t>
+            </a:r>
+            <a:r>
+              <a:rPr>
+                <a:solidFill>
+                  <a:srgbClr val="20794D"/>
+                </a:solidFill>
+                <a:latin typeface="Courier"/>
+              </a:rPr>
+              <a:t>"age"</a:t>
+            </a:r>
+            <a:r>
+              <a:rPr>
+                <a:solidFill>
+                  <a:srgbClr val="003B4F"/>
+                </a:solidFill>
+                <a:latin typeface="Courier"/>
+              </a:rPr>
+              <a:t>: </a:t>
+            </a:r>
+            <a:r>
+              <a:rPr>
+                <a:solidFill>
                   <a:srgbClr val="AD0000"/>
                 </a:solidFill>
                 <a:latin typeface="Courier"/>
               </a:rPr>
-              <a:t>1</a:t>
+              <a:t>30</a:t>
             </a:r>
             <a:r>
               <a:rPr>
@@ -13600,65 +13279,29 @@
             <a:r>
               <a:rPr>
                 <a:solidFill>
-                  <a:srgbClr val="AD0000"/>
-                </a:solidFill>
-                <a:latin typeface="Courier"/>
-              </a:rPr>
-              <a:t>2</a:t>
-            </a:r>
-            <a:r>
-              <a:rPr>
-                <a:solidFill>
-                  <a:srgbClr val="003B4F"/>
-                </a:solidFill>
-                <a:latin typeface="Courier"/>
-              </a:rPr>
-              <a:t>, </a:t>
-            </a:r>
-            <a:r>
-              <a:rPr>
-                <a:solidFill>
-                  <a:srgbClr val="AD0000"/>
-                </a:solidFill>
-                <a:latin typeface="Courier"/>
-              </a:rPr>
-              <a:t>3</a:t>
-            </a:r>
-            <a:r>
-              <a:rPr>
-                <a:solidFill>
-                  <a:srgbClr val="003B4F"/>
-                </a:solidFill>
-                <a:latin typeface="Courier"/>
-              </a:rPr>
-              <a:t>, </a:t>
-            </a:r>
-            <a:r>
-              <a:rPr>
-                <a:solidFill>
-                  <a:srgbClr val="AD0000"/>
-                </a:solidFill>
-                <a:latin typeface="Courier"/>
-              </a:rPr>
-              <a:t>4</a:t>
-            </a:r>
-            <a:r>
-              <a:rPr>
-                <a:solidFill>
-                  <a:srgbClr val="003B4F"/>
-                </a:solidFill>
-                <a:latin typeface="Courier"/>
-              </a:rPr>
-              <a:t>, </a:t>
-            </a:r>
-            <a:r>
-              <a:rPr>
-                <a:solidFill>
-                  <a:srgbClr val="AD0000"/>
-                </a:solidFill>
-                <a:latin typeface="Courier"/>
-              </a:rPr>
-              <a:t>5</a:t>
+                  <a:srgbClr val="20794D"/>
+                </a:solidFill>
+                <a:latin typeface="Courier"/>
+              </a:rPr>
+              <a:t>"city"</a:t>
+            </a:r>
+            <a:r>
+              <a:rPr>
+                <a:solidFill>
+                  <a:srgbClr val="003B4F"/>
+                </a:solidFill>
+                <a:latin typeface="Courier"/>
+              </a:rPr>
+              <a:t>: </a:t>
+            </a:r>
+            <a:r>
+              <a:rPr>
+                <a:solidFill>
+                  <a:srgbClr val="20794D"/>
+                </a:solidFill>
+                <a:latin typeface="Courier"/>
+              </a:rPr>
+              <a:t>"New York"</a:t>
             </a:r>
             <a:r>
               <a:rPr>
@@ -13677,7 +13320,7 @@
                 </a:solidFill>
                 <a:latin typeface="Courier"/>
               </a:rPr>
-              <a:t>print(my_set)  </a:t>
+              <a:t>print(my_dict)  </a:t>
             </a:r>
             <a:r>
               <a:rPr>
@@ -13686,7 +13329,7 @@
                 </a:solidFill>
                 <a:latin typeface="Courier"/>
               </a:rPr>
-              <a:t># Output: {1, 2, 3, 4, 5}</a:t>
+              <a:t># Output: {'name': 'John', 'age': 30, 'city': 'New York'}</a:t>
             </a:r>
             <a:br/>
             <a:br/>
@@ -13697,7 +13340,7 @@
                 </a:solidFill>
                 <a:latin typeface="Courier"/>
               </a:rPr>
-              <a:t># Adding a duplicate value will not change the set</a:t>
+              <a:t># Accessing values using keys</a:t>
             </a:r>
             <a:br/>
             <a:r>
@@ -13707,25 +13350,34 @@
                 </a:solidFill>
                 <a:latin typeface="Courier"/>
               </a:rPr>
-              <a:t>my_set.add(</a:t>
-            </a:r>
-            <a:r>
-              <a:rPr>
-                <a:solidFill>
-                  <a:srgbClr val="AD0000"/>
-                </a:solidFill>
-                <a:latin typeface="Courier"/>
-              </a:rPr>
-              <a:t>5</a:t>
-            </a:r>
-            <a:r>
-              <a:rPr>
-                <a:solidFill>
-                  <a:srgbClr val="003B4F"/>
-                </a:solidFill>
-                <a:latin typeface="Courier"/>
-              </a:rPr>
-              <a:t>)</a:t>
+              <a:t>print(my_dict[</a:t>
+            </a:r>
+            <a:r>
+              <a:rPr>
+                <a:solidFill>
+                  <a:srgbClr val="20794D"/>
+                </a:solidFill>
+                <a:latin typeface="Courier"/>
+              </a:rPr>
+              <a:t>"name"</a:t>
+            </a:r>
+            <a:r>
+              <a:rPr>
+                <a:solidFill>
+                  <a:srgbClr val="003B4F"/>
+                </a:solidFill>
+                <a:latin typeface="Courier"/>
+              </a:rPr>
+              <a:t>])  </a:t>
+            </a:r>
+            <a:r>
+              <a:rPr>
+                <a:solidFill>
+                  <a:srgbClr val="5E5E5E"/>
+                </a:solidFill>
+                <a:latin typeface="Courier"/>
+              </a:rPr>
+              <a:t># Output: John</a:t>
             </a:r>
             <a:br/>
             <a:r>
@@ -13735,7 +13387,25 @@
                 </a:solidFill>
                 <a:latin typeface="Courier"/>
               </a:rPr>
-              <a:t>print(my_set)  </a:t>
+              <a:t>print(my_dict[</a:t>
+            </a:r>
+            <a:r>
+              <a:rPr>
+                <a:solidFill>
+                  <a:srgbClr val="20794D"/>
+                </a:solidFill>
+                <a:latin typeface="Courier"/>
+              </a:rPr>
+              <a:t>"age"</a:t>
+            </a:r>
+            <a:r>
+              <a:rPr>
+                <a:solidFill>
+                  <a:srgbClr val="003B4F"/>
+                </a:solidFill>
+                <a:latin typeface="Courier"/>
+              </a:rPr>
+              <a:t>])  </a:t>
             </a:r>
             <a:r>
               <a:rPr>
@@ -13744,7 +13414,7 @@
                 </a:solidFill>
                 <a:latin typeface="Courier"/>
               </a:rPr>
-              <a:t># Output: {1, 2, 3, 4, 5}</a:t>
+              <a:t># Output: 30</a:t>
             </a:r>
             <a:br/>
             <a:br/>
@@ -13755,7 +13425,7 @@
                 </a:solidFill>
                 <a:latin typeface="Courier"/>
               </a:rPr>
-              <a:t># Removing a value is allowed</a:t>
+              <a:t># Modifying values is allowed</a:t>
             </a:r>
             <a:br/>
             <a:r>
@@ -13765,7 +13435,43 @@
                 </a:solidFill>
                 <a:latin typeface="Courier"/>
               </a:rPr>
-              <a:t>my_set.remove(</a:t>
+              <a:t>my_dict[</a:t>
+            </a:r>
+            <a:r>
+              <a:rPr>
+                <a:solidFill>
+                  <a:srgbClr val="20794D"/>
+                </a:solidFill>
+                <a:latin typeface="Courier"/>
+              </a:rPr>
+              <a:t>"age"</a:t>
+            </a:r>
+            <a:r>
+              <a:rPr>
+                <a:solidFill>
+                  <a:srgbClr val="003B4F"/>
+                </a:solidFill>
+                <a:latin typeface="Courier"/>
+              </a:rPr>
+              <a:t>] </a:t>
+            </a:r>
+            <a:r>
+              <a:rPr>
+                <a:solidFill>
+                  <a:srgbClr val="5E5E5E"/>
+                </a:solidFill>
+                <a:latin typeface="Courier"/>
+              </a:rPr>
+              <a:t>=</a:t>
+            </a:r>
+            <a:r>
+              <a:rPr>
+                <a:solidFill>
+                  <a:srgbClr val="003B4F"/>
+                </a:solidFill>
+                <a:latin typeface="Courier"/>
+              </a:rPr>
+              <a:t> </a:t>
             </a:r>
             <a:r>
               <a:rPr>
@@ -13774,16 +13480,7 @@
                 </a:solidFill>
                 <a:latin typeface="Courier"/>
               </a:rPr>
-              <a:t>3</a:t>
-            </a:r>
-            <a:r>
-              <a:rPr>
-                <a:solidFill>
-                  <a:srgbClr val="003B4F"/>
-                </a:solidFill>
-                <a:latin typeface="Courier"/>
-              </a:rPr>
-              <a:t>)</a:t>
+              <a:t>31</a:t>
             </a:r>
             <a:br/>
             <a:r>
@@ -13793,7 +13490,7 @@
                 </a:solidFill>
                 <a:latin typeface="Courier"/>
               </a:rPr>
-              <a:t>print(my_set)  </a:t>
+              <a:t>print(my_dict)  </a:t>
             </a:r>
             <a:r>
               <a:rPr>
@@ -13802,35 +13499,7 @@
                 </a:solidFill>
                 <a:latin typeface="Courier"/>
               </a:rPr>
-              <a:t># Output: {1, 2, 4, 5}</a:t>
-            </a:r>
-          </a:p>
-          <a:p>
-            <a:pPr lvl="0" indent="0" marL="0">
-              <a:buNone/>
-            </a:pPr>
-            <a:r>
-              <a:rPr b="1"/>
-              <a:t>Lists: Storing Sequences of Values</a:t>
-            </a:r>
-          </a:p>
-          <a:p>
-            <a:pPr lvl="0" indent="0" marL="0">
-              <a:buNone/>
-            </a:pPr>
-            <a:r>
-              <a:rPr/>
-              <a:t>A List in Python is a collection of items that can be of any data type, including strings, integers, floats, and other lists. Lists are denoted by square brackets </a:t>
-            </a:r>
-            <a:r>
-              <a:rPr>
-                <a:latin typeface="Courier"/>
-              </a:rPr>
-              <a:t>[]</a:t>
-            </a:r>
-            <a:r>
-              <a:rPr/>
-              <a:t> and are ordered, meaning that the order of items matters.</a:t>
+              <a:t># Output: {'name': 'John', 'age': 31, 'city': 'New York'}</a:t>
             </a:r>
           </a:p>
         </p:txBody>
@@ -13920,7 +13589,7 @@
             </a:pPr>
             <a:r>
               <a:rPr/>
-              <a:t>Common List operations</a:t>
+              <a:t>Sets: Storing Unique Values</a:t>
             </a:r>
           </a:p>
         </p:txBody>
@@ -13940,58 +13609,260 @@
           <a:bodyPr/>
           <a:lstStyle/>
           <a:p>
-            <a:pPr lvl="0"/>
-            <a:r>
-              <a:rPr b="1"/>
-              <a:t>Indexing</a:t>
-            </a:r>
-            <a:r>
-              <a:rPr/>
-              <a:t>: Allows accessing specific elements using their position in the data structure. Only lists support indexing.</a:t>
-            </a:r>
-          </a:p>
-          <a:p>
-            <a:pPr lvl="0"/>
-            <a:r>
-              <a:rPr b="1"/>
-              <a:t>Slicing</a:t>
-            </a:r>
-            <a:r>
-              <a:rPr/>
-              <a:t>: Allows extracting a subset of elements from a list. Only lists support slicing.</a:t>
-            </a:r>
-          </a:p>
-          <a:p>
-            <a:pPr lvl="0"/>
-            <a:r>
-              <a:rPr b="1"/>
-              <a:t>Append</a:t>
-            </a:r>
-            <a:r>
-              <a:rPr/>
-              <a:t>: Adds new elements to the end of a list. Only lists support appending.</a:t>
-            </a:r>
-          </a:p>
-          <a:p>
-            <a:pPr lvl="0"/>
-            <a:r>
-              <a:rPr b="1"/>
-              <a:t>Insert</a:t>
-            </a:r>
-            <a:r>
-              <a:rPr/>
-              <a:t>: Inserts new elements at a specific position in a list. Only lists support inserting.</a:t>
-            </a:r>
-          </a:p>
-          <a:p>
-            <a:pPr lvl="0"/>
-            <a:r>
-              <a:rPr b="1"/>
-              <a:t>Remove</a:t>
-            </a:r>
-            <a:r>
-              <a:rPr/>
-              <a:t>: Removes elements from a list. Only lists support removing.</a:t>
+            <a:pPr lvl="0" indent="0">
+              <a:buNone/>
+            </a:pPr>
+            <a:r>
+              <a:rPr>
+                <a:solidFill>
+                  <a:srgbClr val="003B4F"/>
+                </a:solidFill>
+                <a:latin typeface="Courier"/>
+              </a:rPr>
+              <a:t>my_set </a:t>
+            </a:r>
+            <a:r>
+              <a:rPr>
+                <a:solidFill>
+                  <a:srgbClr val="5E5E5E"/>
+                </a:solidFill>
+                <a:latin typeface="Courier"/>
+              </a:rPr>
+              <a:t>=</a:t>
+            </a:r>
+            <a:r>
+              <a:rPr>
+                <a:solidFill>
+                  <a:srgbClr val="003B4F"/>
+                </a:solidFill>
+                <a:latin typeface="Courier"/>
+              </a:rPr>
+              <a:t> {</a:t>
+            </a:r>
+            <a:r>
+              <a:rPr>
+                <a:solidFill>
+                  <a:srgbClr val="AD0000"/>
+                </a:solidFill>
+                <a:latin typeface="Courier"/>
+              </a:rPr>
+              <a:t>1</a:t>
+            </a:r>
+            <a:r>
+              <a:rPr>
+                <a:solidFill>
+                  <a:srgbClr val="003B4F"/>
+                </a:solidFill>
+                <a:latin typeface="Courier"/>
+              </a:rPr>
+              <a:t>, </a:t>
+            </a:r>
+            <a:r>
+              <a:rPr>
+                <a:solidFill>
+                  <a:srgbClr val="AD0000"/>
+                </a:solidFill>
+                <a:latin typeface="Courier"/>
+              </a:rPr>
+              <a:t>2</a:t>
+            </a:r>
+            <a:r>
+              <a:rPr>
+                <a:solidFill>
+                  <a:srgbClr val="003B4F"/>
+                </a:solidFill>
+                <a:latin typeface="Courier"/>
+              </a:rPr>
+              <a:t>, </a:t>
+            </a:r>
+            <a:r>
+              <a:rPr>
+                <a:solidFill>
+                  <a:srgbClr val="AD0000"/>
+                </a:solidFill>
+                <a:latin typeface="Courier"/>
+              </a:rPr>
+              <a:t>3</a:t>
+            </a:r>
+            <a:r>
+              <a:rPr>
+                <a:solidFill>
+                  <a:srgbClr val="003B4F"/>
+                </a:solidFill>
+                <a:latin typeface="Courier"/>
+              </a:rPr>
+              <a:t>, </a:t>
+            </a:r>
+            <a:r>
+              <a:rPr>
+                <a:solidFill>
+                  <a:srgbClr val="AD0000"/>
+                </a:solidFill>
+                <a:latin typeface="Courier"/>
+              </a:rPr>
+              <a:t>4</a:t>
+            </a:r>
+            <a:r>
+              <a:rPr>
+                <a:solidFill>
+                  <a:srgbClr val="003B4F"/>
+                </a:solidFill>
+                <a:latin typeface="Courier"/>
+              </a:rPr>
+              <a:t>, </a:t>
+            </a:r>
+            <a:r>
+              <a:rPr>
+                <a:solidFill>
+                  <a:srgbClr val="AD0000"/>
+                </a:solidFill>
+                <a:latin typeface="Courier"/>
+              </a:rPr>
+              <a:t>5</a:t>
+            </a:r>
+            <a:r>
+              <a:rPr>
+                <a:solidFill>
+                  <a:srgbClr val="003B4F"/>
+                </a:solidFill>
+                <a:latin typeface="Courier"/>
+              </a:rPr>
+              <a:t>}</a:t>
+            </a:r>
+            <a:br/>
+            <a:r>
+              <a:rPr>
+                <a:solidFill>
+                  <a:srgbClr val="003B4F"/>
+                </a:solidFill>
+                <a:latin typeface="Courier"/>
+              </a:rPr>
+              <a:t>print(my_set)  </a:t>
+            </a:r>
+            <a:r>
+              <a:rPr>
+                <a:solidFill>
+                  <a:srgbClr val="5E5E5E"/>
+                </a:solidFill>
+                <a:latin typeface="Courier"/>
+              </a:rPr>
+              <a:t># Output: {1, 2, 3, 4, 5}</a:t>
+            </a:r>
+            <a:br/>
+            <a:br/>
+            <a:r>
+              <a:rPr>
+                <a:solidFill>
+                  <a:srgbClr val="5E5E5E"/>
+                </a:solidFill>
+                <a:latin typeface="Courier"/>
+              </a:rPr>
+              <a:t># Adding a duplicate value will not change the set</a:t>
+            </a:r>
+            <a:br/>
+            <a:r>
+              <a:rPr>
+                <a:solidFill>
+                  <a:srgbClr val="003B4F"/>
+                </a:solidFill>
+                <a:latin typeface="Courier"/>
+              </a:rPr>
+              <a:t>my_set.add(</a:t>
+            </a:r>
+            <a:r>
+              <a:rPr>
+                <a:solidFill>
+                  <a:srgbClr val="AD0000"/>
+                </a:solidFill>
+                <a:latin typeface="Courier"/>
+              </a:rPr>
+              <a:t>5</a:t>
+            </a:r>
+            <a:r>
+              <a:rPr>
+                <a:solidFill>
+                  <a:srgbClr val="003B4F"/>
+                </a:solidFill>
+                <a:latin typeface="Courier"/>
+              </a:rPr>
+              <a:t>)</a:t>
+            </a:r>
+            <a:br/>
+            <a:r>
+              <a:rPr>
+                <a:solidFill>
+                  <a:srgbClr val="003B4F"/>
+                </a:solidFill>
+                <a:latin typeface="Courier"/>
+              </a:rPr>
+              <a:t>print(my_set)  </a:t>
+            </a:r>
+            <a:r>
+              <a:rPr>
+                <a:solidFill>
+                  <a:srgbClr val="5E5E5E"/>
+                </a:solidFill>
+                <a:latin typeface="Courier"/>
+              </a:rPr>
+              <a:t># Output: {1, 2, 3, 4, 5}</a:t>
+            </a:r>
+            <a:br/>
+            <a:br/>
+            <a:r>
+              <a:rPr>
+                <a:solidFill>
+                  <a:srgbClr val="5E5E5E"/>
+                </a:solidFill>
+                <a:latin typeface="Courier"/>
+              </a:rPr>
+              <a:t># Removing a value is allowed</a:t>
+            </a:r>
+            <a:br/>
+            <a:r>
+              <a:rPr>
+                <a:solidFill>
+                  <a:srgbClr val="003B4F"/>
+                </a:solidFill>
+                <a:latin typeface="Courier"/>
+              </a:rPr>
+              <a:t>my_set.remove(</a:t>
+            </a:r>
+            <a:r>
+              <a:rPr>
+                <a:solidFill>
+                  <a:srgbClr val="AD0000"/>
+                </a:solidFill>
+                <a:latin typeface="Courier"/>
+              </a:rPr>
+              <a:t>3</a:t>
+            </a:r>
+            <a:r>
+              <a:rPr>
+                <a:solidFill>
+                  <a:srgbClr val="003B4F"/>
+                </a:solidFill>
+                <a:latin typeface="Courier"/>
+              </a:rPr>
+              <a:t>)</a:t>
+            </a:r>
+            <a:br/>
+            <a:r>
+              <a:rPr>
+                <a:solidFill>
+                  <a:srgbClr val="003B4F"/>
+                </a:solidFill>
+                <a:latin typeface="Courier"/>
+              </a:rPr>
+              <a:t>print(my_set)  </a:t>
+            </a:r>
+            <a:r>
+              <a:rPr>
+                <a:solidFill>
+                  <a:srgbClr val="5E5E5E"/>
+                </a:solidFill>
+                <a:latin typeface="Courier"/>
+              </a:rPr>
+              <a:t># Output: {1, 2, 4, 5}</a:t>
             </a:r>
           </a:p>
         </p:txBody>
@@ -14081,7 +13952,7 @@
             </a:pPr>
             <a:r>
               <a:rPr/>
-              <a:t>Examples</a:t>
+              <a:t>Common List operations</a:t>
             </a:r>
           </a:p>
         </p:txBody>
@@ -14101,99 +13972,77 @@
           <a:bodyPr/>
           <a:lstStyle/>
           <a:p>
+            <a:pPr lvl="0" indent="0" marL="0">
+              <a:buNone/>
+            </a:pPr>
+            <a:r>
+              <a:rPr/>
+              <a:t>A List in Python is a collection of items that can be of any data type, including strings, integers, floats, and other lists. Lists are denoted by square brackets </a:t>
+            </a:r>
+            <a:r>
+              <a:rPr>
+                <a:latin typeface="Courier"/>
+              </a:rPr>
+              <a:t>[]</a:t>
+            </a:r>
+            <a:r>
+              <a:rPr/>
+              <a:t> and are ordered, meaning that the order of items matters.</a:t>
+            </a:r>
+          </a:p>
+          <a:p>
             <a:pPr lvl="0"/>
             <a:r>
-              <a:rPr/>
-              <a:t>Indexing: </a:t>
-            </a:r>
-            <a:r>
-              <a:rPr>
-                <a:latin typeface="Courier"/>
-              </a:rPr>
-              <a:t>my_list[0]</a:t>
-            </a:r>
-            <a:r>
-              <a:rPr/>
-              <a:t> returns the first element of the list.</a:t>
+              <a:rPr b="1"/>
+              <a:t>Indexing</a:t>
+            </a:r>
+            <a:r>
+              <a:rPr/>
+              <a:t>: Allows accessing specific elements using their position in the data structure. Only lists support indexing.</a:t>
             </a:r>
           </a:p>
           <a:p>
             <a:pPr lvl="0"/>
             <a:r>
-              <a:rPr/>
-              <a:t>Slicing: </a:t>
-            </a:r>
-            <a:r>
-              <a:rPr>
-                <a:latin typeface="Courier"/>
-              </a:rPr>
-              <a:t>my_list[1:3]</a:t>
-            </a:r>
-            <a:r>
-              <a:rPr/>
-              <a:t> returns the elements at indices 1 and 2.</a:t>
+              <a:rPr b="1"/>
+              <a:t>Slicing</a:t>
+            </a:r>
+            <a:r>
+              <a:rPr/>
+              <a:t>: Allows extracting a subset of elements from a list. Only lists support slicing.</a:t>
             </a:r>
           </a:p>
           <a:p>
             <a:pPr lvl="0"/>
             <a:r>
-              <a:rPr/>
-              <a:t>Append: </a:t>
-            </a:r>
-            <a:r>
-              <a:rPr>
-                <a:latin typeface="Courier"/>
-              </a:rPr>
-              <a:t>my_list.append("new element")</a:t>
-            </a:r>
-            <a:r>
-              <a:rPr/>
-              <a:t> adds a new element to the end of the list.</a:t>
+              <a:rPr b="1"/>
+              <a:t>Append</a:t>
+            </a:r>
+            <a:r>
+              <a:rPr/>
+              <a:t>: Adds new elements to the end of a list. Only lists support appending.</a:t>
             </a:r>
           </a:p>
           <a:p>
             <a:pPr lvl="0"/>
             <a:r>
-              <a:rPr/>
-              <a:t>Insert: </a:t>
-            </a:r>
-            <a:r>
-              <a:rPr>
-                <a:latin typeface="Courier"/>
-              </a:rPr>
-              <a:t>my_list.insert(1, "new element")</a:t>
-            </a:r>
-            <a:r>
-              <a:rPr/>
-              <a:t> inserts a new element at index 1.</a:t>
+              <a:rPr b="1"/>
+              <a:t>Insert</a:t>
+            </a:r>
+            <a:r>
+              <a:rPr/>
+              <a:t>: Inserts new elements at a specific position in a list. Only lists support inserting.</a:t>
             </a:r>
           </a:p>
           <a:p>
             <a:pPr lvl="0"/>
             <a:r>
-              <a:rPr/>
-              <a:t>Remove: </a:t>
-            </a:r>
-            <a:r>
-              <a:rPr>
-                <a:latin typeface="Courier"/>
-              </a:rPr>
-              <a:t>my_list.remove("old element")</a:t>
-            </a:r>
-            <a:r>
-              <a:rPr/>
-              <a:t> removes the first occurrence of the element “old element” from the list.</a:t>
-            </a:r>
-          </a:p>
-          <a:p>
-            <a:pPr lvl="0" indent="0" marL="0">
-              <a:buNone/>
-            </a:pPr>
-            <a:r>
-              <a:rPr>
-                <a:latin typeface="Courier"/>
-              </a:rPr>
-              <a:t>Note that tuples, dictionaries, and sets do not support these operations. Tuples are immutable, dictionaries are key-value pairs, and sets are unordered collections of unique elements.</a:t>
+              <a:rPr b="1"/>
+              <a:t>Remove</a:t>
+            </a:r>
+            <a:r>
+              <a:rPr/>
+              <a:t>: Removes elements from a list. Only lists support removing.</a:t>
             </a:r>
           </a:p>
         </p:txBody>
@@ -14283,7 +14132,7 @@
             </a:pPr>
             <a:r>
               <a:rPr/>
-              <a:t>Classes and Objects</a:t>
+              <a:t>Examples</a:t>
             </a:r>
           </a:p>
         </p:txBody>
@@ -14306,14 +14155,96 @@
             <a:pPr lvl="0"/>
             <a:r>
               <a:rPr/>
-              <a:t>Introduction to Classes and Objects</a:t>
+              <a:t>Indexing: </a:t>
+            </a:r>
+            <a:r>
+              <a:rPr>
+                <a:latin typeface="Courier"/>
+              </a:rPr>
+              <a:t>my_list[0]</a:t>
+            </a:r>
+            <a:r>
+              <a:rPr/>
+              <a:t> returns the first element of the list.</a:t>
             </a:r>
           </a:p>
           <a:p>
             <a:pPr lvl="0"/>
             <a:r>
               <a:rPr/>
-              <a:t>Encapsulation and Abstraction</a:t>
+              <a:t>Slicing: </a:t>
+            </a:r>
+            <a:r>
+              <a:rPr>
+                <a:latin typeface="Courier"/>
+              </a:rPr>
+              <a:t>my_list[1:3]</a:t>
+            </a:r>
+            <a:r>
+              <a:rPr/>
+              <a:t> returns the elements at indices 1 and 2.</a:t>
+            </a:r>
+          </a:p>
+          <a:p>
+            <a:pPr lvl="0"/>
+            <a:r>
+              <a:rPr/>
+              <a:t>Append: </a:t>
+            </a:r>
+            <a:r>
+              <a:rPr>
+                <a:latin typeface="Courier"/>
+              </a:rPr>
+              <a:t>my_list.append("new element")</a:t>
+            </a:r>
+            <a:r>
+              <a:rPr/>
+              <a:t> adds a new element to the end of the list.</a:t>
+            </a:r>
+          </a:p>
+          <a:p>
+            <a:pPr lvl="0"/>
+            <a:r>
+              <a:rPr/>
+              <a:t>Insert: </a:t>
+            </a:r>
+            <a:r>
+              <a:rPr>
+                <a:latin typeface="Courier"/>
+              </a:rPr>
+              <a:t>my_list.insert(1, "new element")</a:t>
+            </a:r>
+            <a:r>
+              <a:rPr/>
+              <a:t> inserts a new element at index 1.</a:t>
+            </a:r>
+          </a:p>
+          <a:p>
+            <a:pPr lvl="0"/>
+            <a:r>
+              <a:rPr/>
+              <a:t>Remove: </a:t>
+            </a:r>
+            <a:r>
+              <a:rPr>
+                <a:latin typeface="Courier"/>
+              </a:rPr>
+              <a:t>my_list.remove("old element")</a:t>
+            </a:r>
+            <a:r>
+              <a:rPr/>
+              <a:t> removes the first occurrence of the element “old element” from the list.</a:t>
+            </a:r>
+          </a:p>
+          <a:p>
+            <a:pPr lvl="0" indent="0" marL="0">
+              <a:buNone/>
+            </a:pPr>
+            <a:r>
+              <a:rPr>
+                <a:latin typeface="Courier"/>
+              </a:rPr>
+              <a:t>Note that tuples, dictionaries, and sets do not support these operations. Tuples are immutable, dictionaries are key-value pairs, and sets are unordered collections of unique elements.</a:t>
             </a:r>
           </a:p>
         </p:txBody>
@@ -14698,18 +14629,38 @@
           <a:bodyPr/>
           <a:lstStyle/>
           <a:p>
-            <a:pPr lvl="0" indent="0">
-              <a:buNone/>
-            </a:pPr>
-            <a:r>
-              <a:rPr>
-                <a:latin typeface="Courier"/>
-              </a:rPr>
-              <a:t>* Read and re-read the problem statement to ensure you understand what is being asked.
-* Identify the key elements of the problem, including:
-    + Inputs: What data will the program need to solve the problem?
-    + Outputs: What results should the program produce?
-    + Constraints: Are there any limitations or rules that the program must follow?</a:t>
+            <a:pPr lvl="0"/>
+            <a:r>
+              <a:rPr/>
+              <a:t>Read and re-read the problem statement to ensure you understand what is being asked.</a:t>
+            </a:r>
+          </a:p>
+          <a:p>
+            <a:pPr lvl="0"/>
+            <a:r>
+              <a:rPr/>
+              <a:t>Identify the key elements of the problem, including:</a:t>
+            </a:r>
+          </a:p>
+          <a:p>
+            <a:pPr lvl="1"/>
+            <a:r>
+              <a:rPr/>
+              <a:t>Inputs: What data will the program need to solve the problem?</a:t>
+            </a:r>
+          </a:p>
+          <a:p>
+            <a:pPr lvl="1"/>
+            <a:r>
+              <a:rPr/>
+              <a:t>Outputs: What results should the program produce?</a:t>
+            </a:r>
+          </a:p>
+          <a:p>
+            <a:pPr lvl="1"/>
+            <a:r>
+              <a:rPr/>
+              <a:t>Constraints: Are there any limitations or rules that the program must follow?</a:t>
             </a:r>
           </a:p>
         </p:txBody>
@@ -14819,15 +14770,17 @@
           <a:bodyPr/>
           <a:lstStyle/>
           <a:p>
-            <a:pPr lvl="0" indent="0">
-              <a:buNone/>
-            </a:pPr>
-            <a:r>
-              <a:rPr>
-                <a:latin typeface="Courier"/>
-              </a:rPr>
-              <a:t>* Determine the types and formats of the input data.
-* Identify the expected output format and any specific requirements (e.g., precision, formatting).</a:t>
+            <a:pPr lvl="0"/>
+            <a:r>
+              <a:rPr/>
+              <a:t>Determine the types and formats of the input data.</a:t>
+            </a:r>
+          </a:p>
+          <a:p>
+            <a:pPr lvl="0"/>
+            <a:r>
+              <a:rPr/>
+              <a:t>Identify the expected output format and any specific requirements (e.g., precision, formatting).</a:t>
             </a:r>
           </a:p>
         </p:txBody>
@@ -14937,16 +14890,24 @@
           <a:bodyPr/>
           <a:lstStyle/>
           <a:p>
-            <a:pPr lvl="0" indent="0">
-              <a:buNone/>
-            </a:pPr>
-            <a:r>
-              <a:rPr>
-                <a:latin typeface="Courier"/>
-              </a:rPr>
-              <a:t>* Choose a few simple test cases to work through by hand.
-* Verify that your manual calculations produce the expected output.
-* This step helps you understand the problem better and identify any potential issues.</a:t>
+            <a:pPr lvl="0"/>
+            <a:r>
+              <a:rPr/>
+              <a:t>Choose a few simple test cases to work through by hand.</a:t>
+            </a:r>
+          </a:p>
+          <a:p>
+            <a:pPr lvl="0"/>
+            <a:r>
+              <a:rPr/>
+              <a:t>Verify that your manual calculations produce the expected output.</a:t>
+            </a:r>
+          </a:p>
+          <a:p>
+            <a:pPr lvl="1"/>
+            <a:r>
+              <a:rPr/>
+              <a:t>This step helps you understand the problem better and identify any potential issues.</a:t>
             </a:r>
           </a:p>
         </p:txBody>
@@ -15056,16 +15017,24 @@
           <a:bodyPr/>
           <a:lstStyle/>
           <a:p>
-            <a:pPr lvl="0" indent="0">
-              <a:buNone/>
-            </a:pPr>
-            <a:r>
-              <a:rPr>
-                <a:latin typeface="Courier"/>
-              </a:rPr>
-              <a:t>* Write pseudo code to describe the steps your program will take to solve the problem.
-* Convert the pseudo code to Python, using a top-down approach to structure your code.
-* Focus on one component at a time, and make sure each part is working correctly before moving on to the next.</a:t>
+            <a:pPr lvl="0"/>
+            <a:r>
+              <a:rPr/>
+              <a:t>Write pseudo code to describe the steps your program will take to solve the problem.</a:t>
+            </a:r>
+          </a:p>
+          <a:p>
+            <a:pPr lvl="0"/>
+            <a:r>
+              <a:rPr/>
+              <a:t>Convert the pseudo code to Python, using a top-down approach to structure your code.</a:t>
+            </a:r>
+          </a:p>
+          <a:p>
+            <a:pPr lvl="0"/>
+            <a:r>
+              <a:rPr/>
+              <a:t>Focus on one component at a time, and make sure each part is working correctly before moving on to the next.</a:t>
             </a:r>
           </a:p>
         </p:txBody>
@@ -15340,16 +15309,24 @@
           <a:bodyPr/>
           <a:lstStyle/>
           <a:p>
-            <a:pPr lvl="0" indent="0">
-              <a:buNone/>
-            </a:pPr>
-            <a:r>
-              <a:rPr>
-                <a:latin typeface="Courier"/>
-              </a:rPr>
-              <a:t>* Write test cases to verify that your program produces the expected output for a variety of input data.
-* Use a range of inputs, including edge cases and unusual data, to ensure your program is robust and reliable.
-* Test your program in different environments and configurations to ensure it works as expected.</a:t>
+            <a:pPr lvl="0"/>
+            <a:r>
+              <a:rPr/>
+              <a:t>Write test cases to verify that your program produces the expected output for a variety of input data.</a:t>
+            </a:r>
+          </a:p>
+          <a:p>
+            <a:pPr lvl="0"/>
+            <a:r>
+              <a:rPr/>
+              <a:t>Use a range of inputs, including edge cases and unusual data, to ensure your program is robust and reliable.</a:t>
+            </a:r>
+          </a:p>
+          <a:p>
+            <a:pPr lvl="0"/>
+            <a:r>
+              <a:rPr/>
+              <a:t>Test your program in different environments and configurations to ensure it works as expected.</a:t>
             </a:r>
           </a:p>
         </p:txBody>
@@ -15480,7 +15457,7 @@
             </a:pPr>
             <a:r>
               <a:rPr/>
-              <a:t>The problem is to write a program that takes a temperature in Kelvin as input and returns the equivalent temperature in Celsius. This is simple, but in real life probably interview the client, do some independent research, caht to experts, read research papers, study existing programs etc.</a:t>
+              <a:t>The problem is to write a program that takes a temperature in Kelvin as input and returns the equivalent temperature in Celsius. This is simple, but in real life probably interview the client, do some independent research, chat to experts, read research papers, study existing programs etc.</a:t>
             </a:r>
           </a:p>
         </p:txBody>
@@ -15710,13 +15687,6 @@
           <a:bodyPr/>
           <a:lstStyle/>
           <a:p>
-            <a:pPr lvl="0"/>
-            <a:r>
-              <a:rPr/>
-              <a:t>Manual Calculation Example:</a:t>
-            </a:r>
-          </a:p>
-          <a:p>
             <a:pPr lvl="0" indent="0" marL="1270000">
               <a:buNone/>
             </a:pPr>
@@ -16118,69 +16088,63 @@
             </a:r>
           </a:p>
           <a:p>
-            <a:pPr lvl="0" indent="0" marL="0">
-              <a:buNone/>
-            </a:pPr>
+            <a:pPr lvl="0"/>
             <a:r>
               <a:rPr/>
               <a:t>Valid Inputs:</a:t>
             </a:r>
           </a:p>
           <a:p>
+            <a:pPr lvl="1"/>
+            <a:r>
+              <a:rPr/>
+              <a:t>273.15 Kelvin -&gt; 0.15 Celsius</a:t>
+            </a:r>
+          </a:p>
+          <a:p>
+            <a:pPr lvl="1"/>
+            <a:r>
+              <a:rPr/>
+              <a:t>0 Kelvin -&gt; -273.15 Celsius</a:t>
+            </a:r>
+          </a:p>
+          <a:p>
+            <a:pPr lvl="1"/>
+            <a:r>
+              <a:rPr/>
+              <a:t>500 Kelvin -&gt; 226.85 Celsius</a:t>
+            </a:r>
+          </a:p>
+          <a:p>
             <a:pPr lvl="0"/>
             <a:r>
               <a:rPr/>
-              <a:t>273.15 Kelvin -&gt; 0.15 Celsius</a:t>
+              <a:t>Invalid Inputs:</a:t>
+            </a:r>
+          </a:p>
+          <a:p>
+            <a:pPr lvl="1"/>
+            <a:r>
+              <a:rPr/>
+              <a:t>Negative Kelvin (e.g., -273.15) -&gt; Error handling needed</a:t>
+            </a:r>
+          </a:p>
+          <a:p>
+            <a:pPr lvl="1"/>
+            <a:r>
+              <a:rPr/>
+              <a:t>Non-numeric input (e.g., “abc”) -&gt; Error handling needed</a:t>
             </a:r>
           </a:p>
           <a:p>
             <a:pPr lvl="0"/>
             <a:r>
               <a:rPr/>
-              <a:t>0 Kelvin -&gt; -273.15 Celsius</a:t>
-            </a:r>
-          </a:p>
-          <a:p>
-            <a:pPr lvl="0"/>
-            <a:r>
-              <a:rPr/>
-              <a:t>500 Kelvin -&gt; 226.85 Celsius</a:t>
-            </a:r>
-          </a:p>
-          <a:p>
-            <a:pPr lvl="0" indent="0" marL="0">
-              <a:buNone/>
-            </a:pPr>
-            <a:r>
-              <a:rPr/>
-              <a:t>Invalid Inputs:</a:t>
-            </a:r>
-          </a:p>
-          <a:p>
-            <a:pPr lvl="0"/>
-            <a:r>
-              <a:rPr/>
-              <a:t>Negative Kelvin (e.g., -273.15) -&gt; Error handling needed</a:t>
-            </a:r>
-          </a:p>
-          <a:p>
-            <a:pPr lvl="0"/>
-            <a:r>
-              <a:rPr/>
-              <a:t>Non-numeric input (e.g., “abc”) -&gt; Error handling needed</a:t>
-            </a:r>
-          </a:p>
-          <a:p>
-            <a:pPr lvl="0" indent="0" marL="0">
-              <a:buNone/>
-            </a:pPr>
-            <a:r>
-              <a:rPr/>
               <a:t>Handling Edge Cases (Negative Kelvin):</a:t>
             </a:r>
           </a:p>
           <a:p>
-            <a:pPr lvl="0"/>
+            <a:pPr lvl="1"/>
             <a:r>
               <a:rPr/>
               <a:t>We’ll add error handling to handle negative Kelvin inputs. For example, we could print an error message and return an error code.</a:t>
@@ -19870,112 +19834,6 @@
               <a:t>APIs are a set of defined rules that enables different applications, services, or systems to communicate with each other. It allows data to be shared, processed, and used by different systems, making it a crucial part of modern software development.</a:t>
             </a:r>
           </a:p>
-          <a:p>
-            <a:pPr lvl="0" indent="0" marL="0">
-              <a:buNone/>
-            </a:pPr>
-            <a:r>
-              <a:rPr b="1"/>
-              <a:t>Basics of APIs</a:t>
-            </a:r>
-          </a:p>
-          <a:p>
-            <a:pPr lvl="0" indent="0" marL="0">
-              <a:buNone/>
-            </a:pPr>
-            <a:r>
-              <a:rPr/>
-              <a:t>Here are some key concepts to understand about APIs:</a:t>
-            </a:r>
-          </a:p>
-          <a:p>
-            <a:pPr lvl="0"/>
-            <a:r>
-              <a:rPr b="1"/>
-              <a:t>API Type</a:t>
-            </a:r>
-            <a:r>
-              <a:rPr/>
-              <a:t>: There are several types of APIs, including:</a:t>
-            </a:r>
-          </a:p>
-          <a:p>
-            <a:pPr lvl="1"/>
-            <a:r>
-              <a:rPr b="1"/>
-              <a:t>Web API</a:t>
-            </a:r>
-            <a:r>
-              <a:rPr/>
-              <a:t>: A web API is an API that is accessed over the web, typically using HTTP requests and responses.</a:t>
-            </a:r>
-          </a:p>
-          <a:p>
-            <a:pPr lvl="1"/>
-            <a:r>
-              <a:rPr b="1"/>
-              <a:t>RESTful API</a:t>
-            </a:r>
-            <a:r>
-              <a:rPr/>
-              <a:t>: A RESTful API is a type of web API that follows the REST (Representational State of Resource) architecture.</a:t>
-            </a:r>
-          </a:p>
-          <a:p>
-            <a:pPr lvl="1"/>
-            <a:r>
-              <a:rPr b="1"/>
-              <a:t>SOAP API</a:t>
-            </a:r>
-            <a:r>
-              <a:rPr/>
-              <a:t>: A SOAP API is a type of web API that uses the SOAP (Simple Object Access Protocol) protocol.</a:t>
-            </a:r>
-          </a:p>
-          <a:p>
-            <a:pPr lvl="0"/>
-            <a:r>
-              <a:rPr b="1"/>
-              <a:t>API Endpoint</a:t>
-            </a:r>
-            <a:r>
-              <a:rPr/>
-              <a:t>: An API endpoint is a specific URL that is used to access a particular resource or functionality.</a:t>
-            </a:r>
-          </a:p>
-          <a:p>
-            <a:pPr lvl="0"/>
-            <a:r>
-              <a:rPr b="1"/>
-              <a:t>API Request</a:t>
-            </a:r>
-            <a:r>
-              <a:rPr/>
-              <a:t>: An API request is a request sent to an API endpoint to retrieve or modify data.</a:t>
-            </a:r>
-          </a:p>
-          <a:p>
-            <a:pPr lvl="0"/>
-            <a:r>
-              <a:rPr b="1"/>
-              <a:t>API Response</a:t>
-            </a:r>
-            <a:r>
-              <a:rPr/>
-              <a:t>: An API response is the data returned by the API in response to an API request.</a:t>
-            </a:r>
-          </a:p>
-          <a:p>
-            <a:pPr lvl="0"/>
-            <a:r>
-              <a:rPr b="1"/>
-              <a:t>API Key</a:t>
-            </a:r>
-            <a:r>
-              <a:rPr/>
-              <a:t>: An API key is a unique string of characters that is used to authenticate and authorise API requests.</a:t>
-            </a:r>
-          </a:p>
         </p:txBody>
       </p:sp>
       <p:sp>
@@ -20311,7 +20169,7 @@
             </a:pPr>
             <a:r>
               <a:rPr/>
-              <a:t>Web API Example</a:t>
+              <a:t>Basics of APIs**</a:t>
             </a:r>
           </a:p>
         </p:txBody>
@@ -20331,278 +20189,91 @@
           <a:bodyPr/>
           <a:lstStyle/>
           <a:p>
-            <a:pPr lvl="0" indent="0" marL="0">
-              <a:buNone/>
-            </a:pPr>
+            <a:pPr lvl="0"/>
+            <a:r>
+              <a:rPr b="1"/>
+              <a:t>API Type</a:t>
+            </a:r>
+            <a:r>
+              <a:rPr/>
+              <a:t>: There are several types of APIs, including:</a:t>
+            </a:r>
+          </a:p>
+          <a:p>
+            <a:pPr lvl="1"/>
+            <a:r>
+              <a:rPr b="1"/>
+              <a:t>Web API</a:t>
+            </a:r>
+            <a:r>
+              <a:rPr/>
+              <a:t>: A web API is an API that is accessed over the web, typically using HTTP requests and responses.</a:t>
+            </a:r>
+          </a:p>
+          <a:p>
+            <a:pPr lvl="1"/>
+            <a:r>
+              <a:rPr b="1"/>
+              <a:t>RESTful API</a:t>
+            </a:r>
+            <a:r>
+              <a:rPr/>
+              <a:t>: A RESTful API is a type of web API that follows the REST (Representational State of Resource) architecture.</a:t>
+            </a:r>
+          </a:p>
+          <a:p>
+            <a:pPr lvl="1"/>
+            <a:r>
+              <a:rPr b="1"/>
+              <a:t>SOAP API</a:t>
+            </a:r>
+            <a:r>
+              <a:rPr/>
+              <a:t>: A SOAP API is a type of web API that uses the SOAP (Simple Object Access Protocol) protocol.</a:t>
+            </a:r>
+          </a:p>
+          <a:p>
+            <a:pPr lvl="0"/>
             <a:r>
               <a:rPr b="1"/>
               <a:t>API Endpoint</a:t>
             </a:r>
             <a:r>
               <a:rPr/>
-              <a:t>: </a:t>
-            </a:r>
-            <a:r>
-              <a:rPr>
-                <a:latin typeface="Courier"/>
-              </a:rPr>
-              <a:t>https://jsonplaceholder.typicode.com/todos/1</a:t>
-            </a:r>
-            <a:r>
-              <a:rPr/>
-              <a:t> </a:t>
-            </a:r>
+              <a:t>: An API endpoint is a specific URL that is used to access a particular resource or functionality.</a:t>
+            </a:r>
+          </a:p>
+          <a:p>
+            <a:pPr lvl="0"/>
             <a:r>
               <a:rPr b="1"/>
               <a:t>API Request</a:t>
             </a:r>
             <a:r>
               <a:rPr/>
-              <a:t>: </a:t>
-            </a:r>
-            <a:r>
-              <a:rPr>
-                <a:latin typeface="Courier"/>
-              </a:rPr>
-              <a:t>GET https://jsonplaceholder.typicode.com/todos/1</a:t>
-            </a:r>
-            <a:r>
-              <a:rPr/>
-              <a:t> </a:t>
-            </a:r>
+              <a:t>: An API request is a request sent to an API endpoint to retrieve or modify data.</a:t>
+            </a:r>
+          </a:p>
+          <a:p>
+            <a:pPr lvl="0"/>
             <a:r>
               <a:rPr b="1"/>
               <a:t>API Response</a:t>
             </a:r>
             <a:r>
               <a:rPr/>
-              <a:t>:</a:t>
-            </a:r>
-          </a:p>
-          <a:p>
-            <a:pPr lvl="0" indent="0">
-              <a:buNone/>
-            </a:pPr>
-            <a:r>
-              <a:rPr>
-                <a:solidFill>
-                  <a:srgbClr val="4758AB"/>
-                </a:solidFill>
-                <a:latin typeface="Courier"/>
-              </a:rPr>
-              <a:t>{</a:t>
-            </a:r>
-            <a:br/>
-            <a:r>
-              <a:rPr>
-                <a:solidFill>
-                  <a:srgbClr val="003B4F"/>
-                </a:solidFill>
-                <a:latin typeface="Courier"/>
-              </a:rPr>
-              <a:t>  </a:t>
-            </a:r>
-            <a:r>
-              <a:rPr>
-                <a:solidFill>
-                  <a:srgbClr val="AD0000"/>
-                </a:solidFill>
-                <a:latin typeface="Courier"/>
-              </a:rPr>
-              <a:t>"userId"</a:t>
-            </a:r>
-            <a:r>
-              <a:rPr>
-                <a:solidFill>
-                  <a:srgbClr val="4758AB"/>
-                </a:solidFill>
-                <a:latin typeface="Courier"/>
-              </a:rPr>
-              <a:t>:</a:t>
-            </a:r>
-            <a:r>
-              <a:rPr>
-                <a:solidFill>
-                  <a:srgbClr val="003B4F"/>
-                </a:solidFill>
-                <a:latin typeface="Courier"/>
-              </a:rPr>
-              <a:t> </a:t>
-            </a:r>
-            <a:r>
-              <a:rPr>
-                <a:solidFill>
-                  <a:srgbClr val="AD0000"/>
-                </a:solidFill>
-                <a:latin typeface="Courier"/>
-              </a:rPr>
-              <a:t>1</a:t>
-            </a:r>
-            <a:r>
-              <a:rPr>
-                <a:solidFill>
-                  <a:srgbClr val="4758AB"/>
-                </a:solidFill>
-                <a:latin typeface="Courier"/>
-              </a:rPr>
-              <a:t>,</a:t>
-            </a:r>
-            <a:br/>
-            <a:r>
-              <a:rPr>
-                <a:solidFill>
-                  <a:srgbClr val="003B4F"/>
-                </a:solidFill>
-                <a:latin typeface="Courier"/>
-              </a:rPr>
-              <a:t>  </a:t>
-            </a:r>
-            <a:r>
-              <a:rPr>
-                <a:solidFill>
-                  <a:srgbClr val="AD0000"/>
-                </a:solidFill>
-                <a:latin typeface="Courier"/>
-              </a:rPr>
-              <a:t>"id"</a:t>
-            </a:r>
-            <a:r>
-              <a:rPr>
-                <a:solidFill>
-                  <a:srgbClr val="4758AB"/>
-                </a:solidFill>
-                <a:latin typeface="Courier"/>
-              </a:rPr>
-              <a:t>:</a:t>
-            </a:r>
-            <a:r>
-              <a:rPr>
-                <a:solidFill>
-                  <a:srgbClr val="003B4F"/>
-                </a:solidFill>
-                <a:latin typeface="Courier"/>
-              </a:rPr>
-              <a:t> </a:t>
-            </a:r>
-            <a:r>
-              <a:rPr>
-                <a:solidFill>
-                  <a:srgbClr val="AD0000"/>
-                </a:solidFill>
-                <a:latin typeface="Courier"/>
-              </a:rPr>
-              <a:t>1</a:t>
-            </a:r>
-            <a:r>
-              <a:rPr>
-                <a:solidFill>
-                  <a:srgbClr val="4758AB"/>
-                </a:solidFill>
-                <a:latin typeface="Courier"/>
-              </a:rPr>
-              <a:t>,</a:t>
-            </a:r>
-            <a:br/>
-            <a:r>
-              <a:rPr>
-                <a:solidFill>
-                  <a:srgbClr val="003B4F"/>
-                </a:solidFill>
-                <a:latin typeface="Courier"/>
-              </a:rPr>
-              <a:t>  </a:t>
-            </a:r>
-            <a:r>
-              <a:rPr>
-                <a:solidFill>
-                  <a:srgbClr val="AD0000"/>
-                </a:solidFill>
-                <a:latin typeface="Courier"/>
-              </a:rPr>
-              <a:t>"title"</a:t>
-            </a:r>
-            <a:r>
-              <a:rPr>
-                <a:solidFill>
-                  <a:srgbClr val="4758AB"/>
-                </a:solidFill>
-                <a:latin typeface="Courier"/>
-              </a:rPr>
-              <a:t>:</a:t>
-            </a:r>
-            <a:r>
-              <a:rPr>
-                <a:solidFill>
-                  <a:srgbClr val="003B4F"/>
-                </a:solidFill>
-                <a:latin typeface="Courier"/>
-              </a:rPr>
-              <a:t> </a:t>
-            </a:r>
-            <a:r>
-              <a:rPr>
-                <a:solidFill>
-                  <a:srgbClr val="20794D"/>
-                </a:solidFill>
-                <a:latin typeface="Courier"/>
-              </a:rPr>
-              <a:t>"delectus aut autem"</a:t>
-            </a:r>
-            <a:r>
-              <a:rPr>
-                <a:solidFill>
-                  <a:srgbClr val="4758AB"/>
-                </a:solidFill>
-                <a:latin typeface="Courier"/>
-              </a:rPr>
-              <a:t>,</a:t>
-            </a:r>
-            <a:br/>
-            <a:r>
-              <a:rPr>
-                <a:solidFill>
-                  <a:srgbClr val="003B4F"/>
-                </a:solidFill>
-                <a:latin typeface="Courier"/>
-              </a:rPr>
-              <a:t>  </a:t>
-            </a:r>
-            <a:r>
-              <a:rPr>
-                <a:solidFill>
-                  <a:srgbClr val="AD0000"/>
-                </a:solidFill>
-                <a:latin typeface="Courier"/>
-              </a:rPr>
-              <a:t>"completed"</a:t>
-            </a:r>
-            <a:r>
-              <a:rPr>
-                <a:solidFill>
-                  <a:srgbClr val="4758AB"/>
-                </a:solidFill>
-                <a:latin typeface="Courier"/>
-              </a:rPr>
-              <a:t>:</a:t>
-            </a:r>
-            <a:r>
-              <a:rPr>
-                <a:solidFill>
-                  <a:srgbClr val="003B4F"/>
-                </a:solidFill>
-                <a:latin typeface="Courier"/>
-              </a:rPr>
-              <a:t> false</a:t>
-            </a:r>
-            <a:br/>
-            <a:r>
-              <a:rPr>
-                <a:solidFill>
-                  <a:srgbClr val="4758AB"/>
-                </a:solidFill>
-                <a:latin typeface="Courier"/>
-              </a:rPr>
-              <a:t>}</a:t>
+              <a:t>: An API response is the data returned by the API in response to an API request.</a:t>
+            </a:r>
+          </a:p>
+          <a:p>
+            <a:pPr lvl="0"/>
+            <a:r>
+              <a:rPr b="1"/>
+              <a:t>API Key</a:t>
+            </a:r>
+            <a:r>
+              <a:rPr/>
+              <a:t>: An API key is a unique string of characters that is used to authenticate and authorise API requests.</a:t>
             </a:r>
           </a:p>
         </p:txBody>
@@ -20692,7 +20363,7 @@
             </a:pPr>
             <a:r>
               <a:rPr/>
-              <a:t>Web API Python Code</a:t>
+              <a:t>Web API Example</a:t>
             </a:r>
           </a:p>
         </p:txBody>
@@ -20712,37 +20383,176 @@
           <a:bodyPr/>
           <a:lstStyle/>
           <a:p>
+            <a:pPr lvl="0" indent="0" marL="0">
+              <a:buNone/>
+            </a:pPr>
+            <a:r>
+              <a:rPr b="1"/>
+              <a:t>API Endpoint</a:t>
+            </a:r>
+            <a:r>
+              <a:rPr/>
+              <a:t>: </a:t>
+            </a:r>
+            <a:r>
+              <a:rPr>
+                <a:latin typeface="Courier"/>
+              </a:rPr>
+              <a:t>https://jsonplaceholder.typicode.com/todos/1</a:t>
+            </a:r>
+            <a:r>
+              <a:rPr/>
+              <a:t> </a:t>
+            </a:r>
+            <a:r>
+              <a:rPr b="1"/>
+              <a:t>API Request</a:t>
+            </a:r>
+            <a:r>
+              <a:rPr/>
+              <a:t>: </a:t>
+            </a:r>
+            <a:r>
+              <a:rPr>
+                <a:latin typeface="Courier"/>
+              </a:rPr>
+              <a:t>GET https://jsonplaceholder.typicode.com/todos/1</a:t>
+            </a:r>
+            <a:r>
+              <a:rPr/>
+              <a:t> </a:t>
+            </a:r>
+            <a:r>
+              <a:rPr b="1"/>
+              <a:t>API Response</a:t>
+            </a:r>
+            <a:r>
+              <a:rPr/>
+              <a:t>:</a:t>
+            </a:r>
+          </a:p>
+          <a:p>
             <a:pPr lvl="0" indent="0">
               <a:buNone/>
             </a:pPr>
             <a:r>
               <a:rPr>
                 <a:solidFill>
-                  <a:srgbClr val="00769E"/>
-                </a:solidFill>
-                <a:latin typeface="Courier"/>
-              </a:rPr>
-              <a:t>import</a:t>
-            </a:r>
-            <a:r>
-              <a:rPr>
-                <a:solidFill>
-                  <a:srgbClr val="003B4F"/>
-                </a:solidFill>
-                <a:latin typeface="Courier"/>
-              </a:rPr>
-              <a:t> requests</a:t>
+                  <a:srgbClr val="4758AB"/>
+                </a:solidFill>
+                <a:latin typeface="Courier"/>
+              </a:rPr>
+              <a:t>{</a:t>
             </a:r>
             <a:br/>
+            <a:r>
+              <a:rPr>
+                <a:solidFill>
+                  <a:srgbClr val="003B4F"/>
+                </a:solidFill>
+                <a:latin typeface="Courier"/>
+              </a:rPr>
+              <a:t>  </a:t>
+            </a:r>
+            <a:r>
+              <a:rPr>
+                <a:solidFill>
+                  <a:srgbClr val="AD0000"/>
+                </a:solidFill>
+                <a:latin typeface="Courier"/>
+              </a:rPr>
+              <a:t>"userId"</a:t>
+            </a:r>
+            <a:r>
+              <a:rPr>
+                <a:solidFill>
+                  <a:srgbClr val="4758AB"/>
+                </a:solidFill>
+                <a:latin typeface="Courier"/>
+              </a:rPr>
+              <a:t>:</a:t>
+            </a:r>
+            <a:r>
+              <a:rPr>
+                <a:solidFill>
+                  <a:srgbClr val="003B4F"/>
+                </a:solidFill>
+                <a:latin typeface="Courier"/>
+              </a:rPr>
+              <a:t> </a:t>
+            </a:r>
+            <a:r>
+              <a:rPr>
+                <a:solidFill>
+                  <a:srgbClr val="AD0000"/>
+                </a:solidFill>
+                <a:latin typeface="Courier"/>
+              </a:rPr>
+              <a:t>1</a:t>
+            </a:r>
+            <a:r>
+              <a:rPr>
+                <a:solidFill>
+                  <a:srgbClr val="4758AB"/>
+                </a:solidFill>
+                <a:latin typeface="Courier"/>
+              </a:rPr>
+              <a:t>,</a:t>
+            </a:r>
             <a:br/>
             <a:r>
               <a:rPr>
                 <a:solidFill>
-                  <a:srgbClr val="5E5E5E"/>
-                </a:solidFill>
-                <a:latin typeface="Courier"/>
-              </a:rPr>
-              <a:t># Send a GET request to the API endpoint</a:t>
+                  <a:srgbClr val="003B4F"/>
+                </a:solidFill>
+                <a:latin typeface="Courier"/>
+              </a:rPr>
+              <a:t>  </a:t>
+            </a:r>
+            <a:r>
+              <a:rPr>
+                <a:solidFill>
+                  <a:srgbClr val="AD0000"/>
+                </a:solidFill>
+                <a:latin typeface="Courier"/>
+              </a:rPr>
+              <a:t>"id"</a:t>
+            </a:r>
+            <a:r>
+              <a:rPr>
+                <a:solidFill>
+                  <a:srgbClr val="4758AB"/>
+                </a:solidFill>
+                <a:latin typeface="Courier"/>
+              </a:rPr>
+              <a:t>:</a:t>
+            </a:r>
+            <a:r>
+              <a:rPr>
+                <a:solidFill>
+                  <a:srgbClr val="003B4F"/>
+                </a:solidFill>
+                <a:latin typeface="Courier"/>
+              </a:rPr>
+              <a:t> </a:t>
+            </a:r>
+            <a:r>
+              <a:rPr>
+                <a:solidFill>
+                  <a:srgbClr val="AD0000"/>
+                </a:solidFill>
+                <a:latin typeface="Courier"/>
+              </a:rPr>
+              <a:t>1</a:t>
+            </a:r>
+            <a:r>
+              <a:rPr>
+                <a:solidFill>
+                  <a:srgbClr val="4758AB"/>
+                </a:solidFill>
+                <a:latin typeface="Courier"/>
+              </a:rPr>
+              <a:t>,</a:t>
             </a:r>
             <a:br/>
             <a:r>
@@ -20752,25 +20562,34 @@
                 </a:solidFill>
                 <a:latin typeface="Courier"/>
               </a:rPr>
-              <a:t>response </a:t>
-            </a:r>
-            <a:r>
-              <a:rPr>
-                <a:solidFill>
-                  <a:srgbClr val="5E5E5E"/>
-                </a:solidFill>
-                <a:latin typeface="Courier"/>
-              </a:rPr>
-              <a:t>=</a:t>
-            </a:r>
-            <a:r>
-              <a:rPr>
-                <a:solidFill>
-                  <a:srgbClr val="003B4F"/>
-                </a:solidFill>
-                <a:latin typeface="Courier"/>
-              </a:rPr>
-              <a:t> requests.get(</a:t>
+              <a:t>  </a:t>
+            </a:r>
+            <a:r>
+              <a:rPr>
+                <a:solidFill>
+                  <a:srgbClr val="AD0000"/>
+                </a:solidFill>
+                <a:latin typeface="Courier"/>
+              </a:rPr>
+              <a:t>"title"</a:t>
+            </a:r>
+            <a:r>
+              <a:rPr>
+                <a:solidFill>
+                  <a:srgbClr val="4758AB"/>
+                </a:solidFill>
+                <a:latin typeface="Courier"/>
+              </a:rPr>
+              <a:t>:</a:t>
+            </a:r>
+            <a:r>
+              <a:rPr>
+                <a:solidFill>
+                  <a:srgbClr val="003B4F"/>
+                </a:solidFill>
+                <a:latin typeface="Courier"/>
+              </a:rPr>
+              <a:t> </a:t>
             </a:r>
             <a:r>
               <a:rPr>
@@ -20779,168 +20598,63 @@
                 </a:solidFill>
                 <a:latin typeface="Courier"/>
               </a:rPr>
-              <a:t>"https://jsonplaceholder.typicode.com/todos/1"</a:t>
-            </a:r>
-            <a:r>
-              <a:rPr>
-                <a:solidFill>
-                  <a:srgbClr val="003B4F"/>
-                </a:solidFill>
-                <a:latin typeface="Courier"/>
-              </a:rPr>
-              <a:t>)</a:t>
+              <a:t>"delectus aut autem"</a:t>
+            </a:r>
+            <a:r>
+              <a:rPr>
+                <a:solidFill>
+                  <a:srgbClr val="4758AB"/>
+                </a:solidFill>
+                <a:latin typeface="Courier"/>
+              </a:rPr>
+              <a:t>,</a:t>
             </a:r>
             <a:br/>
+            <a:r>
+              <a:rPr>
+                <a:solidFill>
+                  <a:srgbClr val="003B4F"/>
+                </a:solidFill>
+                <a:latin typeface="Courier"/>
+              </a:rPr>
+              <a:t>  </a:t>
+            </a:r>
+            <a:r>
+              <a:rPr>
+                <a:solidFill>
+                  <a:srgbClr val="AD0000"/>
+                </a:solidFill>
+                <a:latin typeface="Courier"/>
+              </a:rPr>
+              <a:t>"completed"</a:t>
+            </a:r>
+            <a:r>
+              <a:rPr>
+                <a:solidFill>
+                  <a:srgbClr val="4758AB"/>
+                </a:solidFill>
+                <a:latin typeface="Courier"/>
+              </a:rPr>
+              <a:t>:</a:t>
+            </a:r>
+            <a:r>
+              <a:rPr>
+                <a:solidFill>
+                  <a:srgbClr val="003B4F"/>
+                </a:solidFill>
+                <a:latin typeface="Courier"/>
+              </a:rPr>
+              <a:t> false</a:t>
+            </a:r>
             <a:br/>
             <a:r>
               <a:rPr>
                 <a:solidFill>
-                  <a:srgbClr val="5E5E5E"/>
-                </a:solidFill>
-                <a:latin typeface="Courier"/>
-              </a:rPr>
-              <a:t># Check if the response was successful</a:t>
-            </a:r>
-            <a:br/>
-            <a:r>
-              <a:rPr>
-                <a:solidFill>
-                  <a:srgbClr val="003B4F"/>
-                </a:solidFill>
-                <a:latin typeface="Courier"/>
-              </a:rPr>
-              <a:t>if response.status_code </a:t>
-            </a:r>
-            <a:r>
-              <a:rPr>
-                <a:solidFill>
-                  <a:srgbClr val="5E5E5E"/>
-                </a:solidFill>
-                <a:latin typeface="Courier"/>
-              </a:rPr>
-              <a:t>==</a:t>
-            </a:r>
-            <a:r>
-              <a:rPr>
-                <a:solidFill>
-                  <a:srgbClr val="003B4F"/>
-                </a:solidFill>
-                <a:latin typeface="Courier"/>
-              </a:rPr>
-              <a:t> </a:t>
-            </a:r>
-            <a:r>
-              <a:rPr>
-                <a:solidFill>
-                  <a:srgbClr val="AD0000"/>
-                </a:solidFill>
-                <a:latin typeface="Courier"/>
-              </a:rPr>
-              <a:t>200</a:t>
-            </a:r>
-            <a:r>
-              <a:rPr>
-                <a:solidFill>
-                  <a:srgbClr val="003B4F"/>
-                </a:solidFill>
-                <a:latin typeface="Courier"/>
-              </a:rPr>
-              <a:t>:</a:t>
-            </a:r>
-            <a:br/>
-            <a:r>
-              <a:rPr>
-                <a:solidFill>
-                  <a:srgbClr val="003B4F"/>
-                </a:solidFill>
-                <a:latin typeface="Courier"/>
-              </a:rPr>
-              <a:t>    </a:t>
-            </a:r>
-            <a:r>
-              <a:rPr>
-                <a:solidFill>
-                  <a:srgbClr val="5E5E5E"/>
-                </a:solidFill>
-                <a:latin typeface="Courier"/>
-              </a:rPr>
-              <a:t># Parse the JSON response</a:t>
-            </a:r>
-            <a:br/>
-            <a:r>
-              <a:rPr>
-                <a:solidFill>
-                  <a:srgbClr val="003B4F"/>
-                </a:solidFill>
-                <a:latin typeface="Courier"/>
-              </a:rPr>
-              <a:t>    data </a:t>
-            </a:r>
-            <a:r>
-              <a:rPr>
-                <a:solidFill>
-                  <a:srgbClr val="5E5E5E"/>
-                </a:solidFill>
-                <a:latin typeface="Courier"/>
-              </a:rPr>
-              <a:t>=</a:t>
-            </a:r>
-            <a:r>
-              <a:rPr>
-                <a:solidFill>
-                  <a:srgbClr val="003B4F"/>
-                </a:solidFill>
-                <a:latin typeface="Courier"/>
-              </a:rPr>
-              <a:t> response.json()</a:t>
-            </a:r>
-            <a:br/>
-            <a:r>
-              <a:rPr>
-                <a:solidFill>
-                  <a:srgbClr val="003B4F"/>
-                </a:solidFill>
-                <a:latin typeface="Courier"/>
-              </a:rPr>
-              <a:t>    print(data)</a:t>
-            </a:r>
-            <a:br/>
-            <a:r>
-              <a:rPr>
-                <a:solidFill>
-                  <a:srgbClr val="003B4F"/>
-                </a:solidFill>
-                <a:latin typeface="Courier"/>
-              </a:rPr>
-              <a:t>else:</a:t>
-            </a:r>
-            <a:br/>
-            <a:r>
-              <a:rPr>
-                <a:solidFill>
-                  <a:srgbClr val="003B4F"/>
-                </a:solidFill>
-                <a:latin typeface="Courier"/>
-              </a:rPr>
-              <a:t>    print(</a:t>
-            </a:r>
-            <a:r>
-              <a:rPr>
-                <a:solidFill>
-                  <a:srgbClr val="20794D"/>
-                </a:solidFill>
-                <a:latin typeface="Courier"/>
-              </a:rPr>
-              <a:t>"Error:"</a:t>
-            </a:r>
-            <a:r>
-              <a:rPr>
-                <a:solidFill>
-                  <a:srgbClr val="003B4F"/>
-                </a:solidFill>
-                <a:latin typeface="Courier"/>
-              </a:rPr>
-              <a:t>, response.status_code)</a:t>
+                  <a:srgbClr val="4758AB"/>
+                </a:solidFill>
+                <a:latin typeface="Courier"/>
+              </a:rPr>
+              <a:t>}</a:t>
             </a:r>
           </a:p>
         </p:txBody>
@@ -21030,7 +20744,7 @@
             </a:pPr>
             <a:r>
               <a:rPr/>
-              <a:t>API Tips</a:t>
+              <a:t>Web API Python Code</a:t>
             </a:r>
           </a:p>
         </p:txBody>
@@ -21050,128 +20764,235 @@
           <a:bodyPr/>
           <a:lstStyle/>
           <a:p>
-            <a:pPr lvl="0"/>
-            <a:r>
-              <a:rPr/>
-              <a:t>Always check the API documentation to understand the available endpoints, request methods, and response formats.</a:t>
-            </a:r>
-          </a:p>
-          <a:p>
-            <a:pPr lvl="0"/>
-            <a:r>
-              <a:rPr/>
-              <a:t>Use the correct API key or authentication method to access the API.</a:t>
-            </a:r>
-          </a:p>
-          <a:p>
-            <a:pPr lvl="0"/>
-            <a:r>
-              <a:rPr/>
-              <a:t>Handle errors and exceptions properly.</a:t>
-            </a:r>
-          </a:p>
-          <a:p>
-            <a:pPr lvl="0"/>
-            <a:r>
-              <a:rPr/>
-              <a:t>Use a library like </a:t>
-            </a:r>
-            <a:r>
-              <a:rPr>
-                <a:latin typeface="Courier"/>
-              </a:rPr>
-              <a:t>requests</a:t>
-            </a:r>
-            <a:r>
-              <a:rPr/>
-              <a:t> to simplify API requests and responses.</a:t>
-            </a:r>
-          </a:p>
-          <a:p>
-            <a:pPr lvl="0" indent="0" marL="0">
-              <a:buNone/>
-            </a:pPr>
-            <a:r>
-              <a:rPr/>
-              <a:t>Here’s an introduction to GUIs with Tkinter, including the basics and a simple GUI example:</a:t>
-            </a:r>
-          </a:p>
-          <a:p>
-            <a:pPr lvl="0" indent="0" marL="0">
-              <a:buNone/>
-            </a:pPr>
-            <a:r>
-              <a:rPr b="1"/>
-              <a:t>Introduction to GUIs with Tkinter</a:t>
-            </a:r>
-          </a:p>
-          <a:p>
-            <a:pPr lvl="0" indent="0" marL="0">
-              <a:buNone/>
-            </a:pPr>
-            <a:r>
-              <a:rPr/>
-              <a:t>Tkinter is a Python binding to the Tk GUI toolkit. It is the standard Python interface to Tk and is bundled with most standard Python distributions.</a:t>
-            </a:r>
-          </a:p>
-          <a:p>
-            <a:pPr lvl="0" indent="0" marL="0">
-              <a:buNone/>
-            </a:pPr>
-            <a:r>
-              <a:rPr b="1"/>
-              <a:t>Basics of Graphical User Interfaces</a:t>
-            </a:r>
-          </a:p>
-          <a:p>
-            <a:pPr lvl="0" indent="0" marL="0">
-              <a:buNone/>
-            </a:pPr>
-            <a:r>
-              <a:rPr/>
-              <a:t>A Graphical User Interface (GUI) is a type of user interface that allows users to interact with a computer program using visual elements such as windows, buttons, and menus. GUIs are designed to be more intuitive and user-friendly than command-line interfaces.</a:t>
-            </a:r>
-          </a:p>
-          <a:p>
-            <a:pPr lvl="0" indent="0" marL="0">
-              <a:buNone/>
-            </a:pPr>
-            <a:r>
-              <a:rPr/>
-              <a:t>Here are some key concepts to understand about GUIs:</a:t>
-            </a:r>
-          </a:p>
-          <a:p>
-            <a:pPr lvl="0"/>
-            <a:r>
-              <a:rPr b="1"/>
-              <a:t>Widgets</a:t>
-            </a:r>
-            <a:r>
-              <a:rPr/>
-              <a:t>: A widget is a basic building block of a GUI. Examples of widgets include buttons, labels, text boxes, and menus.</a:t>
-            </a:r>
-          </a:p>
-          <a:p>
-            <a:pPr lvl="0"/>
-            <a:r>
-              <a:rPr b="1"/>
-              <a:t>Layout</a:t>
-            </a:r>
-            <a:r>
-              <a:rPr/>
-              <a:t>: The layout of a GUI refers to the arrangement of widgets on the screen. This can be done using various layout managers such as grid, pack, and place.</a:t>
-            </a:r>
-          </a:p>
-          <a:p>
-            <a:pPr lvl="0"/>
-            <a:r>
-              <a:rPr b="1"/>
-              <a:t>Events</a:t>
-            </a:r>
-            <a:r>
-              <a:rPr/>
-              <a:t>: Events are actions that occur when a user interacts with a GUI, such as clicking a button or typing in a text box. GUIs use event handlers to respond to these events.</a:t>
+            <a:pPr lvl="0" indent="0">
+              <a:buNone/>
+            </a:pPr>
+            <a:r>
+              <a:rPr>
+                <a:solidFill>
+                  <a:srgbClr val="00769E"/>
+                </a:solidFill>
+                <a:latin typeface="Courier"/>
+              </a:rPr>
+              <a:t>import</a:t>
+            </a:r>
+            <a:r>
+              <a:rPr>
+                <a:solidFill>
+                  <a:srgbClr val="003B4F"/>
+                </a:solidFill>
+                <a:latin typeface="Courier"/>
+              </a:rPr>
+              <a:t> requests</a:t>
+            </a:r>
+            <a:br/>
+            <a:br/>
+            <a:r>
+              <a:rPr>
+                <a:solidFill>
+                  <a:srgbClr val="5E5E5E"/>
+                </a:solidFill>
+                <a:latin typeface="Courier"/>
+              </a:rPr>
+              <a:t># Send a GET request to the API endpoint</a:t>
+            </a:r>
+            <a:br/>
+            <a:r>
+              <a:rPr>
+                <a:solidFill>
+                  <a:srgbClr val="003B4F"/>
+                </a:solidFill>
+                <a:latin typeface="Courier"/>
+              </a:rPr>
+              <a:t>response </a:t>
+            </a:r>
+            <a:r>
+              <a:rPr>
+                <a:solidFill>
+                  <a:srgbClr val="5E5E5E"/>
+                </a:solidFill>
+                <a:latin typeface="Courier"/>
+              </a:rPr>
+              <a:t>=</a:t>
+            </a:r>
+            <a:r>
+              <a:rPr>
+                <a:solidFill>
+                  <a:srgbClr val="003B4F"/>
+                </a:solidFill>
+                <a:latin typeface="Courier"/>
+              </a:rPr>
+              <a:t> requests.get(</a:t>
+            </a:r>
+            <a:r>
+              <a:rPr>
+                <a:solidFill>
+                  <a:srgbClr val="20794D"/>
+                </a:solidFill>
+                <a:latin typeface="Courier"/>
+              </a:rPr>
+              <a:t>"https://jsonplaceholder.typicode.com/todos/1"</a:t>
+            </a:r>
+            <a:r>
+              <a:rPr>
+                <a:solidFill>
+                  <a:srgbClr val="003B4F"/>
+                </a:solidFill>
+                <a:latin typeface="Courier"/>
+              </a:rPr>
+              <a:t>)</a:t>
+            </a:r>
+            <a:br/>
+            <a:br/>
+            <a:r>
+              <a:rPr>
+                <a:solidFill>
+                  <a:srgbClr val="5E5E5E"/>
+                </a:solidFill>
+                <a:latin typeface="Courier"/>
+              </a:rPr>
+              <a:t># Check if the response was successful</a:t>
+            </a:r>
+            <a:br/>
+            <a:r>
+              <a:rPr>
+                <a:solidFill>
+                  <a:srgbClr val="003B4F"/>
+                </a:solidFill>
+                <a:latin typeface="Courier"/>
+              </a:rPr>
+              <a:t>if response.status_code </a:t>
+            </a:r>
+            <a:r>
+              <a:rPr>
+                <a:solidFill>
+                  <a:srgbClr val="5E5E5E"/>
+                </a:solidFill>
+                <a:latin typeface="Courier"/>
+              </a:rPr>
+              <a:t>==</a:t>
+            </a:r>
+            <a:r>
+              <a:rPr>
+                <a:solidFill>
+                  <a:srgbClr val="003B4F"/>
+                </a:solidFill>
+                <a:latin typeface="Courier"/>
+              </a:rPr>
+              <a:t> </a:t>
+            </a:r>
+            <a:r>
+              <a:rPr>
+                <a:solidFill>
+                  <a:srgbClr val="AD0000"/>
+                </a:solidFill>
+                <a:latin typeface="Courier"/>
+              </a:rPr>
+              <a:t>200</a:t>
+            </a:r>
+            <a:r>
+              <a:rPr>
+                <a:solidFill>
+                  <a:srgbClr val="003B4F"/>
+                </a:solidFill>
+                <a:latin typeface="Courier"/>
+              </a:rPr>
+              <a:t>:</a:t>
+            </a:r>
+            <a:br/>
+            <a:r>
+              <a:rPr>
+                <a:solidFill>
+                  <a:srgbClr val="003B4F"/>
+                </a:solidFill>
+                <a:latin typeface="Courier"/>
+              </a:rPr>
+              <a:t>    </a:t>
+            </a:r>
+            <a:r>
+              <a:rPr>
+                <a:solidFill>
+                  <a:srgbClr val="5E5E5E"/>
+                </a:solidFill>
+                <a:latin typeface="Courier"/>
+              </a:rPr>
+              <a:t># Parse the JSON response</a:t>
+            </a:r>
+            <a:br/>
+            <a:r>
+              <a:rPr>
+                <a:solidFill>
+                  <a:srgbClr val="003B4F"/>
+                </a:solidFill>
+                <a:latin typeface="Courier"/>
+              </a:rPr>
+              <a:t>    data </a:t>
+            </a:r>
+            <a:r>
+              <a:rPr>
+                <a:solidFill>
+                  <a:srgbClr val="5E5E5E"/>
+                </a:solidFill>
+                <a:latin typeface="Courier"/>
+              </a:rPr>
+              <a:t>=</a:t>
+            </a:r>
+            <a:r>
+              <a:rPr>
+                <a:solidFill>
+                  <a:srgbClr val="003B4F"/>
+                </a:solidFill>
+                <a:latin typeface="Courier"/>
+              </a:rPr>
+              <a:t> response.json()</a:t>
+            </a:r>
+            <a:br/>
+            <a:r>
+              <a:rPr>
+                <a:solidFill>
+                  <a:srgbClr val="003B4F"/>
+                </a:solidFill>
+                <a:latin typeface="Courier"/>
+              </a:rPr>
+              <a:t>    print(data)</a:t>
+            </a:r>
+            <a:br/>
+            <a:r>
+              <a:rPr>
+                <a:solidFill>
+                  <a:srgbClr val="003B4F"/>
+                </a:solidFill>
+                <a:latin typeface="Courier"/>
+              </a:rPr>
+              <a:t>else:</a:t>
+            </a:r>
+            <a:br/>
+            <a:r>
+              <a:rPr>
+                <a:solidFill>
+                  <a:srgbClr val="003B4F"/>
+                </a:solidFill>
+                <a:latin typeface="Courier"/>
+              </a:rPr>
+              <a:t>    print(</a:t>
+            </a:r>
+            <a:r>
+              <a:rPr>
+                <a:solidFill>
+                  <a:srgbClr val="20794D"/>
+                </a:solidFill>
+                <a:latin typeface="Courier"/>
+              </a:rPr>
+              <a:t>"Error:"</a:t>
+            </a:r>
+            <a:r>
+              <a:rPr>
+                <a:solidFill>
+                  <a:srgbClr val="003B4F"/>
+                </a:solidFill>
+                <a:latin typeface="Courier"/>
+              </a:rPr>
+              <a:t>, response.status_code)</a:t>
             </a:r>
           </a:p>
         </p:txBody>
@@ -21261,7 +21082,7 @@
             </a:pPr>
             <a:r>
               <a:rPr/>
-              <a:t>GUI Example**</a:t>
+              <a:t>API Tips</a:t>
             </a:r>
           </a:p>
         </p:txBody>
@@ -21281,470 +21102,41 @@
           <a:bodyPr/>
           <a:lstStyle/>
           <a:p>
-            <a:pPr lvl="0" indent="0">
-              <a:buNone/>
-            </a:pPr>
-            <a:r>
-              <a:rPr>
-                <a:solidFill>
-                  <a:srgbClr val="00769E"/>
-                </a:solidFill>
-                <a:latin typeface="Courier"/>
-              </a:rPr>
-              <a:t>import</a:t>
-            </a:r>
-            <a:r>
-              <a:rPr>
-                <a:solidFill>
-                  <a:srgbClr val="003B4F"/>
-                </a:solidFill>
-                <a:latin typeface="Courier"/>
-              </a:rPr>
-              <a:t> tkinter </a:t>
-            </a:r>
-            <a:r>
-              <a:rPr>
-                <a:solidFill>
-                  <a:srgbClr val="00769E"/>
-                </a:solidFill>
-                <a:latin typeface="Courier"/>
-              </a:rPr>
-              <a:t>as</a:t>
-            </a:r>
-            <a:r>
-              <a:rPr>
-                <a:solidFill>
-                  <a:srgbClr val="003B4F"/>
-                </a:solidFill>
-                <a:latin typeface="Courier"/>
-              </a:rPr>
-              <a:t> tk</a:t>
-            </a:r>
-            <a:br/>
-            <a:br/>
-            <a:r>
-              <a:rPr>
-                <a:solidFill>
-                  <a:srgbClr val="003B4F"/>
-                </a:solidFill>
-                <a:latin typeface="Courier"/>
-              </a:rPr>
-              <a:t>def create_widgets(master):</a:t>
-            </a:r>
-            <a:br/>
-            <a:r>
-              <a:rPr>
-                <a:solidFill>
-                  <a:srgbClr val="003B4F"/>
-                </a:solidFill>
-                <a:latin typeface="Courier"/>
-              </a:rPr>
-              <a:t>    </a:t>
-            </a:r>
-            <a:r>
-              <a:rPr>
-                <a:solidFill>
-                  <a:srgbClr val="5E5E5E"/>
-                </a:solidFill>
-                <a:latin typeface="Courier"/>
-              </a:rPr>
-              <a:t># Button to display "Hello World" and print a message on click</a:t>
-            </a:r>
-            <a:br/>
-            <a:r>
-              <a:rPr>
-                <a:solidFill>
-                  <a:srgbClr val="003B4F"/>
-                </a:solidFill>
-                <a:latin typeface="Courier"/>
-              </a:rPr>
-              <a:t>    hi_there </a:t>
-            </a:r>
-            <a:r>
-              <a:rPr>
-                <a:solidFill>
-                  <a:srgbClr val="5E5E5E"/>
-                </a:solidFill>
-                <a:latin typeface="Courier"/>
-              </a:rPr>
-              <a:t>=</a:t>
-            </a:r>
-            <a:r>
-              <a:rPr>
-                <a:solidFill>
-                  <a:srgbClr val="003B4F"/>
-                </a:solidFill>
-                <a:latin typeface="Courier"/>
-              </a:rPr>
-              <a:t> tk.Button(master, text</a:t>
-            </a:r>
-            <a:r>
-              <a:rPr>
-                <a:solidFill>
-                  <a:srgbClr val="5E5E5E"/>
-                </a:solidFill>
-                <a:latin typeface="Courier"/>
-              </a:rPr>
-              <a:t>=</a:t>
-            </a:r>
-            <a:r>
-              <a:rPr>
-                <a:solidFill>
-                  <a:srgbClr val="20794D"/>
-                </a:solidFill>
-                <a:latin typeface="Courier"/>
-              </a:rPr>
-              <a:t>"Hello World\n(click me)"</a:t>
-            </a:r>
-            <a:r>
-              <a:rPr>
-                <a:solidFill>
-                  <a:srgbClr val="003B4F"/>
-                </a:solidFill>
-                <a:latin typeface="Courier"/>
-              </a:rPr>
-              <a:t>, command</a:t>
-            </a:r>
-            <a:r>
-              <a:rPr>
-                <a:solidFill>
-                  <a:srgbClr val="5E5E5E"/>
-                </a:solidFill>
-                <a:latin typeface="Courier"/>
-              </a:rPr>
-              <a:t>=</a:t>
-            </a:r>
-            <a:r>
-              <a:rPr>
-                <a:solidFill>
-                  <a:srgbClr val="003B4F"/>
-                </a:solidFill>
-                <a:latin typeface="Courier"/>
-              </a:rPr>
-              <a:t>say_hi)</a:t>
-            </a:r>
-            <a:br/>
-            <a:r>
-              <a:rPr>
-                <a:solidFill>
-                  <a:srgbClr val="003B4F"/>
-                </a:solidFill>
-                <a:latin typeface="Courier"/>
-              </a:rPr>
-              <a:t>    hi_there.pack(side</a:t>
-            </a:r>
-            <a:r>
-              <a:rPr>
-                <a:solidFill>
-                  <a:srgbClr val="5E5E5E"/>
-                </a:solidFill>
-                <a:latin typeface="Courier"/>
-              </a:rPr>
-              <a:t>=</a:t>
-            </a:r>
-            <a:r>
-              <a:rPr>
-                <a:solidFill>
-                  <a:srgbClr val="20794D"/>
-                </a:solidFill>
-                <a:latin typeface="Courier"/>
-              </a:rPr>
-              <a:t>"top"</a:t>
-            </a:r>
-            <a:r>
-              <a:rPr>
-                <a:solidFill>
-                  <a:srgbClr val="003B4F"/>
-                </a:solidFill>
-                <a:latin typeface="Courier"/>
-              </a:rPr>
-              <a:t>)</a:t>
-            </a:r>
-            <a:br/>
-            <a:r>
-              <a:rPr>
-                <a:solidFill>
-                  <a:srgbClr val="003B4F"/>
-                </a:solidFill>
-                <a:latin typeface="Courier"/>
-              </a:rPr>
-              <a:t>    </a:t>
-            </a:r>
-            <a:br/>
-            <a:r>
-              <a:rPr>
-                <a:solidFill>
-                  <a:srgbClr val="003B4F"/>
-                </a:solidFill>
-                <a:latin typeface="Courier"/>
-              </a:rPr>
-              <a:t>    </a:t>
-            </a:r>
-            <a:r>
-              <a:rPr>
-                <a:solidFill>
-                  <a:srgbClr val="5E5E5E"/>
-                </a:solidFill>
-                <a:latin typeface="Courier"/>
-              </a:rPr>
-              <a:t># Button to quit the application</a:t>
-            </a:r>
-            <a:br/>
-            <a:r>
-              <a:rPr>
-                <a:solidFill>
-                  <a:srgbClr val="003B4F"/>
-                </a:solidFill>
-                <a:latin typeface="Courier"/>
-              </a:rPr>
-              <a:t>    quit_button </a:t>
-            </a:r>
-            <a:r>
-              <a:rPr>
-                <a:solidFill>
-                  <a:srgbClr val="5E5E5E"/>
-                </a:solidFill>
-                <a:latin typeface="Courier"/>
-              </a:rPr>
-              <a:t>=</a:t>
-            </a:r>
-            <a:r>
-              <a:rPr>
-                <a:solidFill>
-                  <a:srgbClr val="003B4F"/>
-                </a:solidFill>
-                <a:latin typeface="Courier"/>
-              </a:rPr>
-              <a:t> tk.Button(master, text</a:t>
-            </a:r>
-            <a:r>
-              <a:rPr>
-                <a:solidFill>
-                  <a:srgbClr val="5E5E5E"/>
-                </a:solidFill>
-                <a:latin typeface="Courier"/>
-              </a:rPr>
-              <a:t>=</a:t>
-            </a:r>
-            <a:r>
-              <a:rPr>
-                <a:solidFill>
-                  <a:srgbClr val="20794D"/>
-                </a:solidFill>
-                <a:latin typeface="Courier"/>
-              </a:rPr>
-              <a:t>"QUIT"</a:t>
-            </a:r>
-            <a:r>
-              <a:rPr>
-                <a:solidFill>
-                  <a:srgbClr val="003B4F"/>
-                </a:solidFill>
-                <a:latin typeface="Courier"/>
-              </a:rPr>
-              <a:t>, fg</a:t>
-            </a:r>
-            <a:r>
-              <a:rPr>
-                <a:solidFill>
-                  <a:srgbClr val="5E5E5E"/>
-                </a:solidFill>
-                <a:latin typeface="Courier"/>
-              </a:rPr>
-              <a:t>=</a:t>
-            </a:r>
-            <a:r>
-              <a:rPr>
-                <a:solidFill>
-                  <a:srgbClr val="20794D"/>
-                </a:solidFill>
-                <a:latin typeface="Courier"/>
-              </a:rPr>
-              <a:t>"red"</a:t>
-            </a:r>
-            <a:r>
-              <a:rPr>
-                <a:solidFill>
-                  <a:srgbClr val="003B4F"/>
-                </a:solidFill>
-                <a:latin typeface="Courier"/>
-              </a:rPr>
-              <a:t>, command</a:t>
-            </a:r>
-            <a:r>
-              <a:rPr>
-                <a:solidFill>
-                  <a:srgbClr val="5E5E5E"/>
-                </a:solidFill>
-                <a:latin typeface="Courier"/>
-              </a:rPr>
-              <a:t>=</a:t>
-            </a:r>
-            <a:r>
-              <a:rPr>
-                <a:solidFill>
-                  <a:srgbClr val="003B4F"/>
-                </a:solidFill>
-                <a:latin typeface="Courier"/>
-              </a:rPr>
-              <a:t>master.destroy)</a:t>
-            </a:r>
-            <a:br/>
-            <a:r>
-              <a:rPr>
-                <a:solidFill>
-                  <a:srgbClr val="003B4F"/>
-                </a:solidFill>
-                <a:latin typeface="Courier"/>
-              </a:rPr>
-              <a:t>    quit_button.pack(side</a:t>
-            </a:r>
-            <a:r>
-              <a:rPr>
-                <a:solidFill>
-                  <a:srgbClr val="5E5E5E"/>
-                </a:solidFill>
-                <a:latin typeface="Courier"/>
-              </a:rPr>
-              <a:t>=</a:t>
-            </a:r>
-            <a:r>
-              <a:rPr>
-                <a:solidFill>
-                  <a:srgbClr val="20794D"/>
-                </a:solidFill>
-                <a:latin typeface="Courier"/>
-              </a:rPr>
-              <a:t>"bottom"</a:t>
-            </a:r>
-            <a:r>
-              <a:rPr>
-                <a:solidFill>
-                  <a:srgbClr val="003B4F"/>
-                </a:solidFill>
-                <a:latin typeface="Courier"/>
-              </a:rPr>
-              <a:t>)</a:t>
-            </a:r>
-            <a:br/>
-            <a:br/>
-            <a:r>
-              <a:rPr>
-                <a:solidFill>
-                  <a:srgbClr val="003B4F"/>
-                </a:solidFill>
-                <a:latin typeface="Courier"/>
-              </a:rPr>
-              <a:t>def say_hi():</a:t>
-            </a:r>
-            <a:br/>
-            <a:r>
-              <a:rPr>
-                <a:solidFill>
-                  <a:srgbClr val="003B4F"/>
-                </a:solidFill>
-                <a:latin typeface="Courier"/>
-              </a:rPr>
-              <a:t>    print(</a:t>
-            </a:r>
-            <a:r>
-              <a:rPr>
-                <a:solidFill>
-                  <a:srgbClr val="20794D"/>
-                </a:solidFill>
-                <a:latin typeface="Courier"/>
-              </a:rPr>
-              <a:t>"hi there, everyone!"</a:t>
-            </a:r>
-            <a:r>
-              <a:rPr>
-                <a:solidFill>
-                  <a:srgbClr val="003B4F"/>
-                </a:solidFill>
-                <a:latin typeface="Courier"/>
-              </a:rPr>
-              <a:t>)</a:t>
-            </a:r>
-            <a:br/>
-            <a:br/>
-            <a:r>
-              <a:rPr>
-                <a:solidFill>
-                  <a:srgbClr val="5E5E5E"/>
-                </a:solidFill>
-                <a:latin typeface="Courier"/>
-              </a:rPr>
-              <a:t># Create the main window</a:t>
-            </a:r>
-            <a:br/>
-            <a:r>
-              <a:rPr>
-                <a:solidFill>
-                  <a:srgbClr val="003B4F"/>
-                </a:solidFill>
-                <a:latin typeface="Courier"/>
-              </a:rPr>
-              <a:t>root </a:t>
-            </a:r>
-            <a:r>
-              <a:rPr>
-                <a:solidFill>
-                  <a:srgbClr val="5E5E5E"/>
-                </a:solidFill>
-                <a:latin typeface="Courier"/>
-              </a:rPr>
-              <a:t>=</a:t>
-            </a:r>
-            <a:r>
-              <a:rPr>
-                <a:solidFill>
-                  <a:srgbClr val="003B4F"/>
-                </a:solidFill>
-                <a:latin typeface="Courier"/>
-              </a:rPr>
-              <a:t> tk.Tk()</a:t>
-            </a:r>
-            <a:br/>
-            <a:br/>
-            <a:r>
-              <a:rPr>
-                <a:solidFill>
-                  <a:srgbClr val="5E5E5E"/>
-                </a:solidFill>
-                <a:latin typeface="Courier"/>
-              </a:rPr>
-              <a:t># Call the function to create widgets</a:t>
-            </a:r>
-            <a:br/>
-            <a:r>
-              <a:rPr>
-                <a:solidFill>
-                  <a:srgbClr val="003B4F"/>
-                </a:solidFill>
-                <a:latin typeface="Courier"/>
-              </a:rPr>
-              <a:t>create_widgets(root)</a:t>
-            </a:r>
-            <a:br/>
-            <a:br/>
-            <a:r>
-              <a:rPr>
-                <a:solidFill>
-                  <a:srgbClr val="5E5E5E"/>
-                </a:solidFill>
-                <a:latin typeface="Courier"/>
-              </a:rPr>
-              <a:t># Start the main event loop</a:t>
-            </a:r>
-            <a:br/>
-            <a:r>
-              <a:rPr>
-                <a:solidFill>
-                  <a:srgbClr val="003B4F"/>
-                </a:solidFill>
-                <a:latin typeface="Courier"/>
-              </a:rPr>
-              <a:t>root.mainloop()</a:t>
+            <a:pPr lvl="0"/>
+            <a:r>
+              <a:rPr/>
+              <a:t>Always check the API documentation to understand the available endpoints, request methods, and response formats.</a:t>
+            </a:r>
+          </a:p>
+          <a:p>
+            <a:pPr lvl="0"/>
+            <a:r>
+              <a:rPr/>
+              <a:t>Use the correct API key or authentication method to access the API.</a:t>
+            </a:r>
+          </a:p>
+          <a:p>
+            <a:pPr lvl="0"/>
+            <a:r>
+              <a:rPr/>
+              <a:t>Handle errors and exceptions properly.</a:t>
+            </a:r>
+          </a:p>
+          <a:p>
+            <a:pPr lvl="0"/>
+            <a:r>
+              <a:rPr/>
+              <a:t>Use a library like </a:t>
+            </a:r>
+            <a:r>
+              <a:rPr>
+                <a:latin typeface="Courier"/>
+              </a:rPr>
+              <a:t>requests</a:t>
+            </a:r>
+            <a:r>
+              <a:rPr/>
+              <a:t> to simplify API requests and responses.</a:t>
             </a:r>
           </a:p>
         </p:txBody>
@@ -21834,7 +21226,7 @@
             </a:pPr>
             <a:r>
               <a:rPr/>
-              <a:t>GUI Tips</a:t>
+              <a:t>GUIs with Tkinter**</a:t>
             </a:r>
           </a:p>
         </p:txBody>
@@ -21854,31 +21246,21 @@
           <a:bodyPr/>
           <a:lstStyle/>
           <a:p>
-            <a:pPr lvl="0"/>
-            <a:r>
-              <a:rPr/>
-              <a:t>Always use a consistent layout and design for your GUI.</a:t>
-            </a:r>
-          </a:p>
-          <a:p>
-            <a:pPr lvl="0"/>
-            <a:r>
-              <a:rPr/>
-              <a:t>Use meaningful and descriptive names for your widgets and variables.</a:t>
-            </a:r>
-          </a:p>
-          <a:p>
-            <a:pPr lvl="0"/>
-            <a:r>
-              <a:rPr/>
-              <a:t>Handle events and errors properly.</a:t>
-            </a:r>
-          </a:p>
-          <a:p>
-            <a:pPr lvl="0"/>
-            <a:r>
-              <a:rPr/>
-              <a:t>Use a GUI builder or IDE to simplify the process of building GUIs.</a:t>
+            <a:pPr lvl="0" indent="0" marL="0">
+              <a:buNone/>
+            </a:pPr>
+            <a:r>
+              <a:rPr/>
+              <a:t>A Graphical User Interface (GUI) is a type of user interface that allows users to interact with a computer program using visual elements such as windows, buttons, and menus. GUIs are designed to be more intuitive and user-friendly than command-line interfaces.</a:t>
+            </a:r>
+          </a:p>
+          <a:p>
+            <a:pPr lvl="0" indent="0" marL="0">
+              <a:buNone/>
+            </a:pPr>
+            <a:r>
+              <a:rPr/>
+              <a:t>Tkinter is a Python binding to the Tk GUI toolkit. It is the standard Python interface to Tk and is bundled with most standard Python distributions.</a:t>
             </a:r>
           </a:p>
         </p:txBody>
@@ -21968,7 +21350,7 @@
             </a:pPr>
             <a:r>
               <a:rPr/>
-              <a:t>Conclusion - Recap of Learning Points</a:t>
+              <a:t>Basics of Graphical User Interfaces**</a:t>
             </a:r>
           </a:p>
         </p:txBody>
@@ -21991,42 +21373,33 @@
             <a:pPr lvl="0"/>
             <a:r>
               <a:rPr b="1"/>
-              <a:t>Data Representation and Types</a:t>
-            </a:r>
-            <a:r>
-              <a:rPr/>
-              <a:t> Computers store and interpret data as binary sequences (0s and 1s), with data types defining how these sequences are understood and manipulated (e.g., as numbers, text, or multimedia).</a:t>
+              <a:t>Widgets</a:t>
+            </a:r>
+            <a:r>
+              <a:rPr/>
+              <a:t>: A widget is a basic building block of a GUI. Examples of widgets include buttons, labels, text boxes, and menus.</a:t>
             </a:r>
           </a:p>
           <a:p>
             <a:pPr lvl="0"/>
             <a:r>
               <a:rPr b="1"/>
-              <a:t>Six Fundamental Operations:</a:t>
-            </a:r>
-            <a:r>
-              <a:rPr/>
-              <a:t> Mastering these operations provides the foundation for all programming tasks, enabling you to gather, process, and present data effectively.</a:t>
+              <a:t>Layout</a:t>
+            </a:r>
+            <a:r>
+              <a:rPr/>
+              <a:t>: The layout of a GUI refers to the arrangement of widgets on the screen. This can be done using various layout managers such as grid, pack, and place.</a:t>
             </a:r>
           </a:p>
           <a:p>
             <a:pPr lvl="0"/>
             <a:r>
               <a:rPr b="1"/>
-              <a:t>Problem-Solving Framework:</a:t>
-            </a:r>
-            <a:r>
-              <a:rPr/>
-              <a:t> This structured approach helps break down complex problems into manageable steps, ensuring a systematic and thorough solution.</a:t>
-            </a:r>
-          </a:p>
-          <a:p>
-            <a:pPr lvl="0" indent="0" marL="0">
-              <a:buNone/>
-            </a:pPr>
-            <a:r>
-              <a:rPr/>
-              <a:t>Understanding data representation and types is fundamental to all aspects of programming. It underpins how input is processed, calculations are performed, decisions are made, and output is generated. Mastery of data types ensures that solutions are robust, efficient, and correct, seamlessly integrating with the six fundamental operations and the structured problem-solving framework.</a:t>
+              <a:t>Events</a:t>
+            </a:r>
+            <a:r>
+              <a:rPr/>
+              <a:t>: Events are actions that occur when a user interacts with a GUI, such as clicking a button or typing in a text box. GUIs use event handlers to respond to these events.</a:t>
             </a:r>
           </a:p>
         </p:txBody>
@@ -22116,6 +21489,861 @@
             </a:pPr>
             <a:r>
               <a:rPr/>
+              <a:t>GUI Example**</a:t>
+            </a:r>
+          </a:p>
+        </p:txBody>
+      </p:sp>
+      <p:sp>
+        <p:nvSpPr>
+          <p:cNvPr id="3" name="Content Placeholder 2"/>
+          <p:cNvSpPr>
+            <a:spLocks noGrp="1"/>
+          </p:cNvSpPr>
+          <p:nvPr>
+            <p:ph idx="1"/>
+          </p:nvPr>
+        </p:nvSpPr>
+        <p:spPr/>
+        <p:txBody>
+          <a:bodyPr/>
+          <a:lstStyle/>
+          <a:p>
+            <a:pPr lvl="0" indent="0">
+              <a:buNone/>
+            </a:pPr>
+            <a:r>
+              <a:rPr>
+                <a:solidFill>
+                  <a:srgbClr val="00769E"/>
+                </a:solidFill>
+                <a:latin typeface="Courier"/>
+              </a:rPr>
+              <a:t>import</a:t>
+            </a:r>
+            <a:r>
+              <a:rPr>
+                <a:solidFill>
+                  <a:srgbClr val="003B4F"/>
+                </a:solidFill>
+                <a:latin typeface="Courier"/>
+              </a:rPr>
+              <a:t> tkinter </a:t>
+            </a:r>
+            <a:r>
+              <a:rPr>
+                <a:solidFill>
+                  <a:srgbClr val="00769E"/>
+                </a:solidFill>
+                <a:latin typeface="Courier"/>
+              </a:rPr>
+              <a:t>as</a:t>
+            </a:r>
+            <a:r>
+              <a:rPr>
+                <a:solidFill>
+                  <a:srgbClr val="003B4F"/>
+                </a:solidFill>
+                <a:latin typeface="Courier"/>
+              </a:rPr>
+              <a:t> tk</a:t>
+            </a:r>
+            <a:br/>
+            <a:br/>
+            <a:r>
+              <a:rPr>
+                <a:solidFill>
+                  <a:srgbClr val="003B4F"/>
+                </a:solidFill>
+                <a:latin typeface="Courier"/>
+              </a:rPr>
+              <a:t>def create_widgets(master):</a:t>
+            </a:r>
+            <a:br/>
+            <a:r>
+              <a:rPr>
+                <a:solidFill>
+                  <a:srgbClr val="003B4F"/>
+                </a:solidFill>
+                <a:latin typeface="Courier"/>
+              </a:rPr>
+              <a:t>    </a:t>
+            </a:r>
+            <a:r>
+              <a:rPr>
+                <a:solidFill>
+                  <a:srgbClr val="5E5E5E"/>
+                </a:solidFill>
+                <a:latin typeface="Courier"/>
+              </a:rPr>
+              <a:t># Button to display "Hello World" and print a message on click</a:t>
+            </a:r>
+            <a:br/>
+            <a:r>
+              <a:rPr>
+                <a:solidFill>
+                  <a:srgbClr val="003B4F"/>
+                </a:solidFill>
+                <a:latin typeface="Courier"/>
+              </a:rPr>
+              <a:t>    hi_there </a:t>
+            </a:r>
+            <a:r>
+              <a:rPr>
+                <a:solidFill>
+                  <a:srgbClr val="5E5E5E"/>
+                </a:solidFill>
+                <a:latin typeface="Courier"/>
+              </a:rPr>
+              <a:t>=</a:t>
+            </a:r>
+            <a:r>
+              <a:rPr>
+                <a:solidFill>
+                  <a:srgbClr val="003B4F"/>
+                </a:solidFill>
+                <a:latin typeface="Courier"/>
+              </a:rPr>
+              <a:t> tk.Button(master, text</a:t>
+            </a:r>
+            <a:r>
+              <a:rPr>
+                <a:solidFill>
+                  <a:srgbClr val="5E5E5E"/>
+                </a:solidFill>
+                <a:latin typeface="Courier"/>
+              </a:rPr>
+              <a:t>=</a:t>
+            </a:r>
+            <a:r>
+              <a:rPr>
+                <a:solidFill>
+                  <a:srgbClr val="20794D"/>
+                </a:solidFill>
+                <a:latin typeface="Courier"/>
+              </a:rPr>
+              <a:t>"Hello World\n(click me)"</a:t>
+            </a:r>
+            <a:r>
+              <a:rPr>
+                <a:solidFill>
+                  <a:srgbClr val="003B4F"/>
+                </a:solidFill>
+                <a:latin typeface="Courier"/>
+              </a:rPr>
+              <a:t>, command</a:t>
+            </a:r>
+            <a:r>
+              <a:rPr>
+                <a:solidFill>
+                  <a:srgbClr val="5E5E5E"/>
+                </a:solidFill>
+                <a:latin typeface="Courier"/>
+              </a:rPr>
+              <a:t>=</a:t>
+            </a:r>
+            <a:r>
+              <a:rPr>
+                <a:solidFill>
+                  <a:srgbClr val="003B4F"/>
+                </a:solidFill>
+                <a:latin typeface="Courier"/>
+              </a:rPr>
+              <a:t>say_hi)</a:t>
+            </a:r>
+            <a:br/>
+            <a:r>
+              <a:rPr>
+                <a:solidFill>
+                  <a:srgbClr val="003B4F"/>
+                </a:solidFill>
+                <a:latin typeface="Courier"/>
+              </a:rPr>
+              <a:t>    hi_there.pack(side</a:t>
+            </a:r>
+            <a:r>
+              <a:rPr>
+                <a:solidFill>
+                  <a:srgbClr val="5E5E5E"/>
+                </a:solidFill>
+                <a:latin typeface="Courier"/>
+              </a:rPr>
+              <a:t>=</a:t>
+            </a:r>
+            <a:r>
+              <a:rPr>
+                <a:solidFill>
+                  <a:srgbClr val="20794D"/>
+                </a:solidFill>
+                <a:latin typeface="Courier"/>
+              </a:rPr>
+              <a:t>"top"</a:t>
+            </a:r>
+            <a:r>
+              <a:rPr>
+                <a:solidFill>
+                  <a:srgbClr val="003B4F"/>
+                </a:solidFill>
+                <a:latin typeface="Courier"/>
+              </a:rPr>
+              <a:t>)</a:t>
+            </a:r>
+            <a:br/>
+            <a:r>
+              <a:rPr>
+                <a:solidFill>
+                  <a:srgbClr val="003B4F"/>
+                </a:solidFill>
+                <a:latin typeface="Courier"/>
+              </a:rPr>
+              <a:t>    </a:t>
+            </a:r>
+            <a:br/>
+            <a:r>
+              <a:rPr>
+                <a:solidFill>
+                  <a:srgbClr val="003B4F"/>
+                </a:solidFill>
+                <a:latin typeface="Courier"/>
+              </a:rPr>
+              <a:t>    </a:t>
+            </a:r>
+            <a:r>
+              <a:rPr>
+                <a:solidFill>
+                  <a:srgbClr val="5E5E5E"/>
+                </a:solidFill>
+                <a:latin typeface="Courier"/>
+              </a:rPr>
+              <a:t># Button to quit the application</a:t>
+            </a:r>
+            <a:br/>
+            <a:r>
+              <a:rPr>
+                <a:solidFill>
+                  <a:srgbClr val="003B4F"/>
+                </a:solidFill>
+                <a:latin typeface="Courier"/>
+              </a:rPr>
+              <a:t>    quit_button </a:t>
+            </a:r>
+            <a:r>
+              <a:rPr>
+                <a:solidFill>
+                  <a:srgbClr val="5E5E5E"/>
+                </a:solidFill>
+                <a:latin typeface="Courier"/>
+              </a:rPr>
+              <a:t>=</a:t>
+            </a:r>
+            <a:r>
+              <a:rPr>
+                <a:solidFill>
+                  <a:srgbClr val="003B4F"/>
+                </a:solidFill>
+                <a:latin typeface="Courier"/>
+              </a:rPr>
+              <a:t> tk.Button(master, text</a:t>
+            </a:r>
+            <a:r>
+              <a:rPr>
+                <a:solidFill>
+                  <a:srgbClr val="5E5E5E"/>
+                </a:solidFill>
+                <a:latin typeface="Courier"/>
+              </a:rPr>
+              <a:t>=</a:t>
+            </a:r>
+            <a:r>
+              <a:rPr>
+                <a:solidFill>
+                  <a:srgbClr val="20794D"/>
+                </a:solidFill>
+                <a:latin typeface="Courier"/>
+              </a:rPr>
+              <a:t>"QUIT"</a:t>
+            </a:r>
+            <a:r>
+              <a:rPr>
+                <a:solidFill>
+                  <a:srgbClr val="003B4F"/>
+                </a:solidFill>
+                <a:latin typeface="Courier"/>
+              </a:rPr>
+              <a:t>, fg</a:t>
+            </a:r>
+            <a:r>
+              <a:rPr>
+                <a:solidFill>
+                  <a:srgbClr val="5E5E5E"/>
+                </a:solidFill>
+                <a:latin typeface="Courier"/>
+              </a:rPr>
+              <a:t>=</a:t>
+            </a:r>
+            <a:r>
+              <a:rPr>
+                <a:solidFill>
+                  <a:srgbClr val="20794D"/>
+                </a:solidFill>
+                <a:latin typeface="Courier"/>
+              </a:rPr>
+              <a:t>"red"</a:t>
+            </a:r>
+            <a:r>
+              <a:rPr>
+                <a:solidFill>
+                  <a:srgbClr val="003B4F"/>
+                </a:solidFill>
+                <a:latin typeface="Courier"/>
+              </a:rPr>
+              <a:t>, command</a:t>
+            </a:r>
+            <a:r>
+              <a:rPr>
+                <a:solidFill>
+                  <a:srgbClr val="5E5E5E"/>
+                </a:solidFill>
+                <a:latin typeface="Courier"/>
+              </a:rPr>
+              <a:t>=</a:t>
+            </a:r>
+            <a:r>
+              <a:rPr>
+                <a:solidFill>
+                  <a:srgbClr val="003B4F"/>
+                </a:solidFill>
+                <a:latin typeface="Courier"/>
+              </a:rPr>
+              <a:t>master.destroy)</a:t>
+            </a:r>
+            <a:br/>
+            <a:r>
+              <a:rPr>
+                <a:solidFill>
+                  <a:srgbClr val="003B4F"/>
+                </a:solidFill>
+                <a:latin typeface="Courier"/>
+              </a:rPr>
+              <a:t>    quit_button.pack(side</a:t>
+            </a:r>
+            <a:r>
+              <a:rPr>
+                <a:solidFill>
+                  <a:srgbClr val="5E5E5E"/>
+                </a:solidFill>
+                <a:latin typeface="Courier"/>
+              </a:rPr>
+              <a:t>=</a:t>
+            </a:r>
+            <a:r>
+              <a:rPr>
+                <a:solidFill>
+                  <a:srgbClr val="20794D"/>
+                </a:solidFill>
+                <a:latin typeface="Courier"/>
+              </a:rPr>
+              <a:t>"bottom"</a:t>
+            </a:r>
+            <a:r>
+              <a:rPr>
+                <a:solidFill>
+                  <a:srgbClr val="003B4F"/>
+                </a:solidFill>
+                <a:latin typeface="Courier"/>
+              </a:rPr>
+              <a:t>)</a:t>
+            </a:r>
+            <a:br/>
+            <a:br/>
+            <a:r>
+              <a:rPr>
+                <a:solidFill>
+                  <a:srgbClr val="003B4F"/>
+                </a:solidFill>
+                <a:latin typeface="Courier"/>
+              </a:rPr>
+              <a:t>def say_hi():</a:t>
+            </a:r>
+            <a:br/>
+            <a:r>
+              <a:rPr>
+                <a:solidFill>
+                  <a:srgbClr val="003B4F"/>
+                </a:solidFill>
+                <a:latin typeface="Courier"/>
+              </a:rPr>
+              <a:t>    print(</a:t>
+            </a:r>
+            <a:r>
+              <a:rPr>
+                <a:solidFill>
+                  <a:srgbClr val="20794D"/>
+                </a:solidFill>
+                <a:latin typeface="Courier"/>
+              </a:rPr>
+              <a:t>"hi there, everyone!"</a:t>
+            </a:r>
+            <a:r>
+              <a:rPr>
+                <a:solidFill>
+                  <a:srgbClr val="003B4F"/>
+                </a:solidFill>
+                <a:latin typeface="Courier"/>
+              </a:rPr>
+              <a:t>)</a:t>
+            </a:r>
+            <a:br/>
+            <a:br/>
+            <a:r>
+              <a:rPr>
+                <a:solidFill>
+                  <a:srgbClr val="5E5E5E"/>
+                </a:solidFill>
+                <a:latin typeface="Courier"/>
+              </a:rPr>
+              <a:t># Create the main window</a:t>
+            </a:r>
+            <a:br/>
+            <a:r>
+              <a:rPr>
+                <a:solidFill>
+                  <a:srgbClr val="003B4F"/>
+                </a:solidFill>
+                <a:latin typeface="Courier"/>
+              </a:rPr>
+              <a:t>root </a:t>
+            </a:r>
+            <a:r>
+              <a:rPr>
+                <a:solidFill>
+                  <a:srgbClr val="5E5E5E"/>
+                </a:solidFill>
+                <a:latin typeface="Courier"/>
+              </a:rPr>
+              <a:t>=</a:t>
+            </a:r>
+            <a:r>
+              <a:rPr>
+                <a:solidFill>
+                  <a:srgbClr val="003B4F"/>
+                </a:solidFill>
+                <a:latin typeface="Courier"/>
+              </a:rPr>
+              <a:t> tk.Tk()</a:t>
+            </a:r>
+            <a:br/>
+            <a:br/>
+            <a:r>
+              <a:rPr>
+                <a:solidFill>
+                  <a:srgbClr val="5E5E5E"/>
+                </a:solidFill>
+                <a:latin typeface="Courier"/>
+              </a:rPr>
+              <a:t># Call the function to create widgets</a:t>
+            </a:r>
+            <a:br/>
+            <a:r>
+              <a:rPr>
+                <a:solidFill>
+                  <a:srgbClr val="003B4F"/>
+                </a:solidFill>
+                <a:latin typeface="Courier"/>
+              </a:rPr>
+              <a:t>create_widgets(root)</a:t>
+            </a:r>
+            <a:br/>
+            <a:br/>
+            <a:r>
+              <a:rPr>
+                <a:solidFill>
+                  <a:srgbClr val="5E5E5E"/>
+                </a:solidFill>
+                <a:latin typeface="Courier"/>
+              </a:rPr>
+              <a:t># Start the main event loop</a:t>
+            </a:r>
+            <a:br/>
+            <a:r>
+              <a:rPr>
+                <a:solidFill>
+                  <a:srgbClr val="003B4F"/>
+                </a:solidFill>
+                <a:latin typeface="Courier"/>
+              </a:rPr>
+              <a:t>root.mainloop()</a:t>
+            </a:r>
+          </a:p>
+        </p:txBody>
+      </p:sp>
+      <p:sp>
+        <p:nvSpPr>
+          <p:cNvPr id="11" name="Footer Placeholder 4"/>
+          <p:cNvSpPr>
+            <a:spLocks noGrp="1"/>
+          </p:cNvSpPr>
+          <p:nvPr>
+            <p:ph idx="3" sz="quarter" type="ftr"/>
+          </p:nvPr>
+        </p:nvSpPr>
+        <p:spPr>
+          <a:xfrm>
+            <a:off x="0" y="6446837"/>
+            <a:ext cx="10032642" cy="365125"/>
+          </a:xfrm>
+          <a:prstGeom prst="rect">
+            <a:avLst/>
+          </a:prstGeom>
+        </p:spPr>
+        <p:txBody>
+          <a:bodyPr anchor="ctr" bIns="45720" lIns="91440" rIns="91440" rtlCol="0" tIns="45720" vert="horz"/>
+          <a:lstStyle>
+            <a:lvl1pPr algn="l">
+              <a:defRPr baseline="0" cap="none" sz="1400">
+                <a:solidFill>
+                  <a:srgbClr val="FFFFFF"/>
+                </a:solidFill>
+                <a:latin typeface="+mn-lt"/>
+              </a:defRPr>
+            </a:lvl1pPr>
+          </a:lstStyle>
+          <a:p>
+            <a:r>
+              <a:rPr b="1" dirty="0" lang="en-AU"/>
+              <a:t>Faculty of Business and Law </a:t>
+            </a:r>
+            <a:r>
+              <a:rPr dirty="0" lang="en-AU"/>
+              <a:t>| School of Marketing and Management</a:t>
+            </a:r>
+          </a:p>
+        </p:txBody>
+      </p:sp>
+    </p:spTree>
+  </p:cSld>
+</p:sld>
+</file>
+
+<file path=ppt/slides/slide67.xml><?xml version="1.0" encoding="utf-8"?>
+<p:sld xmlns:a="http://schemas.openxmlformats.org/drawingml/2006/main" xmlns:r="http://schemas.openxmlformats.org/officeDocument/2006/relationships" xmlns:p="http://schemas.openxmlformats.org/presentationml/2006/main">
+  <p:cSld>
+    <p:spTree>
+      <p:nvGrpSpPr>
+        <p:cNvPr id="1" name=""/>
+        <p:cNvGrpSpPr/>
+        <p:nvPr/>
+      </p:nvGrpSpPr>
+      <p:grpSpPr>
+        <a:xfrm>
+          <a:off x="0" y="0"/>
+          <a:ext cx="0" cy="0"/>
+          <a:chOff x="0" y="0"/>
+          <a:chExt cx="0" cy="0"/>
+        </a:xfrm>
+      </p:grpSpPr>
+      <p:sp>
+        <p:nvSpPr>
+          <p:cNvPr id="2" name="Title 1"/>
+          <p:cNvSpPr>
+            <a:spLocks noGrp="1"/>
+          </p:cNvSpPr>
+          <p:nvPr>
+            <p:ph type="title"/>
+          </p:nvPr>
+        </p:nvSpPr>
+        <p:spPr/>
+        <p:txBody>
+          <a:bodyPr/>
+          <a:lstStyle/>
+          <a:p>
+            <a:pPr lvl="0" indent="0" marL="0">
+              <a:buNone/>
+            </a:pPr>
+            <a:r>
+              <a:rPr/>
+              <a:t>GUI Tips</a:t>
+            </a:r>
+          </a:p>
+        </p:txBody>
+      </p:sp>
+      <p:sp>
+        <p:nvSpPr>
+          <p:cNvPr id="3" name="Content Placeholder 2"/>
+          <p:cNvSpPr>
+            <a:spLocks noGrp="1"/>
+          </p:cNvSpPr>
+          <p:nvPr>
+            <p:ph idx="1"/>
+          </p:nvPr>
+        </p:nvSpPr>
+        <p:spPr/>
+        <p:txBody>
+          <a:bodyPr/>
+          <a:lstStyle/>
+          <a:p>
+            <a:pPr lvl="0"/>
+            <a:r>
+              <a:rPr/>
+              <a:t>Always use a consistent layout and design for your GUI.</a:t>
+            </a:r>
+          </a:p>
+          <a:p>
+            <a:pPr lvl="0"/>
+            <a:r>
+              <a:rPr/>
+              <a:t>Use meaningful and descriptive names for your widgets and variables.</a:t>
+            </a:r>
+          </a:p>
+          <a:p>
+            <a:pPr lvl="0"/>
+            <a:r>
+              <a:rPr/>
+              <a:t>Handle events and errors properly.</a:t>
+            </a:r>
+          </a:p>
+          <a:p>
+            <a:pPr lvl="0"/>
+            <a:r>
+              <a:rPr/>
+              <a:t>Use a GUI builder or IDE to simplify the process of building GUIs.</a:t>
+            </a:r>
+          </a:p>
+        </p:txBody>
+      </p:sp>
+      <p:sp>
+        <p:nvSpPr>
+          <p:cNvPr id="11" name="Footer Placeholder 4"/>
+          <p:cNvSpPr>
+            <a:spLocks noGrp="1"/>
+          </p:cNvSpPr>
+          <p:nvPr>
+            <p:ph idx="3" sz="quarter" type="ftr"/>
+          </p:nvPr>
+        </p:nvSpPr>
+        <p:spPr>
+          <a:xfrm>
+            <a:off x="0" y="6446837"/>
+            <a:ext cx="10032642" cy="365125"/>
+          </a:xfrm>
+          <a:prstGeom prst="rect">
+            <a:avLst/>
+          </a:prstGeom>
+        </p:spPr>
+        <p:txBody>
+          <a:bodyPr anchor="ctr" bIns="45720" lIns="91440" rIns="91440" rtlCol="0" tIns="45720" vert="horz"/>
+          <a:lstStyle>
+            <a:lvl1pPr algn="l">
+              <a:defRPr baseline="0" cap="none" sz="1400">
+                <a:solidFill>
+                  <a:srgbClr val="FFFFFF"/>
+                </a:solidFill>
+                <a:latin typeface="+mn-lt"/>
+              </a:defRPr>
+            </a:lvl1pPr>
+          </a:lstStyle>
+          <a:p>
+            <a:r>
+              <a:rPr b="1" dirty="0" lang="en-AU"/>
+              <a:t>Faculty of Business and Law </a:t>
+            </a:r>
+            <a:r>
+              <a:rPr dirty="0" lang="en-AU"/>
+              <a:t>| School of Marketing and Management</a:t>
+            </a:r>
+          </a:p>
+        </p:txBody>
+      </p:sp>
+    </p:spTree>
+  </p:cSld>
+</p:sld>
+</file>
+
+<file path=ppt/slides/slide68.xml><?xml version="1.0" encoding="utf-8"?>
+<p:sld xmlns:a="http://schemas.openxmlformats.org/drawingml/2006/main" xmlns:r="http://schemas.openxmlformats.org/officeDocument/2006/relationships" xmlns:p="http://schemas.openxmlformats.org/presentationml/2006/main">
+  <p:cSld>
+    <p:spTree>
+      <p:nvGrpSpPr>
+        <p:cNvPr id="1" name=""/>
+        <p:cNvGrpSpPr/>
+        <p:nvPr/>
+      </p:nvGrpSpPr>
+      <p:grpSpPr>
+        <a:xfrm>
+          <a:off x="0" y="0"/>
+          <a:ext cx="0" cy="0"/>
+          <a:chOff x="0" y="0"/>
+          <a:chExt cx="0" cy="0"/>
+        </a:xfrm>
+      </p:grpSpPr>
+      <p:sp>
+        <p:nvSpPr>
+          <p:cNvPr id="2" name="Title 1"/>
+          <p:cNvSpPr>
+            <a:spLocks noGrp="1"/>
+          </p:cNvSpPr>
+          <p:nvPr>
+            <p:ph type="title"/>
+          </p:nvPr>
+        </p:nvSpPr>
+        <p:spPr/>
+        <p:txBody>
+          <a:bodyPr/>
+          <a:lstStyle/>
+          <a:p>
+            <a:pPr lvl="0" indent="0" marL="0">
+              <a:buNone/>
+            </a:pPr>
+            <a:r>
+              <a:rPr/>
+              <a:t>Conclusion - Recap of Learning Points</a:t>
+            </a:r>
+          </a:p>
+        </p:txBody>
+      </p:sp>
+      <p:sp>
+        <p:nvSpPr>
+          <p:cNvPr id="3" name="Content Placeholder 2"/>
+          <p:cNvSpPr>
+            <a:spLocks noGrp="1"/>
+          </p:cNvSpPr>
+          <p:nvPr>
+            <p:ph idx="1"/>
+          </p:nvPr>
+        </p:nvSpPr>
+        <p:spPr/>
+        <p:txBody>
+          <a:bodyPr/>
+          <a:lstStyle/>
+          <a:p>
+            <a:pPr lvl="0"/>
+            <a:r>
+              <a:rPr b="1"/>
+              <a:t>Data Representation and Types</a:t>
+            </a:r>
+            <a:r>
+              <a:rPr/>
+              <a:t> Computers store and interpret data as binary sequences (0s and 1s), with data types defining how these sequences are understood and manipulated (e.g., as numbers, text, or multimedia).</a:t>
+            </a:r>
+          </a:p>
+          <a:p>
+            <a:pPr lvl="0"/>
+            <a:r>
+              <a:rPr b="1"/>
+              <a:t>Six Fundamental Operations:</a:t>
+            </a:r>
+            <a:r>
+              <a:rPr/>
+              <a:t> Mastering these operations provides the foundation for all programming tasks, enabling you to gather, process, and present data effectively.</a:t>
+            </a:r>
+          </a:p>
+          <a:p>
+            <a:pPr lvl="0"/>
+            <a:r>
+              <a:rPr b="1"/>
+              <a:t>Problem-Solving Framework:</a:t>
+            </a:r>
+            <a:r>
+              <a:rPr/>
+              <a:t> This structured approach helps break down complex problems into manageable steps, ensuring a systematic and thorough solution.</a:t>
+            </a:r>
+          </a:p>
+          <a:p>
+            <a:pPr lvl="0" indent="0" marL="0">
+              <a:buNone/>
+            </a:pPr>
+            <a:r>
+              <a:rPr/>
+              <a:t>Understanding data representation and types is fundamental to all aspects of programming. It underpins how input is processed, calculations are performed, decisions are made, and output is generated. Mastery of data types ensures that solutions are robust, efficient, and correct, seamlessly integrating with the six fundamental operations and the structured problem-solving framework.</a:t>
+            </a:r>
+          </a:p>
+        </p:txBody>
+      </p:sp>
+      <p:sp>
+        <p:nvSpPr>
+          <p:cNvPr id="11" name="Footer Placeholder 4"/>
+          <p:cNvSpPr>
+            <a:spLocks noGrp="1"/>
+          </p:cNvSpPr>
+          <p:nvPr>
+            <p:ph idx="3" sz="quarter" type="ftr"/>
+          </p:nvPr>
+        </p:nvSpPr>
+        <p:spPr>
+          <a:xfrm>
+            <a:off x="0" y="6446837"/>
+            <a:ext cx="10032642" cy="365125"/>
+          </a:xfrm>
+          <a:prstGeom prst="rect">
+            <a:avLst/>
+          </a:prstGeom>
+        </p:spPr>
+        <p:txBody>
+          <a:bodyPr anchor="ctr" bIns="45720" lIns="91440" rIns="91440" rtlCol="0" tIns="45720" vert="horz"/>
+          <a:lstStyle>
+            <a:lvl1pPr algn="l">
+              <a:defRPr baseline="0" cap="none" sz="1400">
+                <a:solidFill>
+                  <a:srgbClr val="FFFFFF"/>
+                </a:solidFill>
+                <a:latin typeface="+mn-lt"/>
+              </a:defRPr>
+            </a:lvl1pPr>
+          </a:lstStyle>
+          <a:p>
+            <a:r>
+              <a:rPr b="1" dirty="0" lang="en-AU"/>
+              <a:t>Faculty of Business and Law </a:t>
+            </a:r>
+            <a:r>
+              <a:rPr dirty="0" lang="en-AU"/>
+              <a:t>| School of Marketing and Management</a:t>
+            </a:r>
+          </a:p>
+        </p:txBody>
+      </p:sp>
+    </p:spTree>
+  </p:cSld>
+</p:sld>
+</file>
+
+<file path=ppt/slides/slide69.xml><?xml version="1.0" encoding="utf-8"?>
+<p:sld xmlns:a="http://schemas.openxmlformats.org/drawingml/2006/main" xmlns:r="http://schemas.openxmlformats.org/officeDocument/2006/relationships" xmlns:p="http://schemas.openxmlformats.org/presentationml/2006/main">
+  <p:cSld>
+    <p:spTree>
+      <p:nvGrpSpPr>
+        <p:cNvPr id="1" name=""/>
+        <p:cNvGrpSpPr/>
+        <p:nvPr/>
+      </p:nvGrpSpPr>
+      <p:grpSpPr>
+        <a:xfrm>
+          <a:off x="0" y="0"/>
+          <a:ext cx="0" cy="0"/>
+          <a:chOff x="0" y="0"/>
+          <a:chExt cx="0" cy="0"/>
+        </a:xfrm>
+      </p:grpSpPr>
+      <p:sp>
+        <p:nvSpPr>
+          <p:cNvPr id="2" name="Title 1"/>
+          <p:cNvSpPr>
+            <a:spLocks noGrp="1"/>
+          </p:cNvSpPr>
+          <p:nvPr>
+            <p:ph type="title"/>
+          </p:nvPr>
+        </p:nvSpPr>
+        <p:spPr/>
+        <p:txBody>
+          <a:bodyPr/>
+          <a:lstStyle/>
+          <a:p>
+            <a:pPr lvl="0" indent="0" marL="0">
+              <a:buNone/>
+            </a:pPr>
+            <a:r>
+              <a:rPr/>
               <a:t>Final Thoughts</a:t>
             </a:r>
           </a:p>
@@ -22697,7 +22925,7 @@
             </a:pPr>
             <a:r>
               <a:rPr/>
-              <a:t>Conversion to number</a:t>
+              <a:t>Converting Input</a:t>
             </a:r>
           </a:p>
         </p:txBody>
